--- a/python_ppt/Python 알고리즘.pptx
+++ b/python_ppt/Python 알고리즘.pptx
@@ -5,7 +5,7 @@
     <p:sldMasterId id="2147483648" r:id="rId1"/>
   </p:sldMasterIdLst>
   <p:notesMasterIdLst>
-    <p:notesMasterId r:id="rId15"/>
+    <p:notesMasterId r:id="rId19"/>
   </p:notesMasterIdLst>
   <p:sldIdLst>
     <p:sldId id="256" r:id="rId2"/>
@@ -21,6 +21,10 @@
     <p:sldId id="411" r:id="rId12"/>
     <p:sldId id="409" r:id="rId13"/>
     <p:sldId id="410" r:id="rId14"/>
+    <p:sldId id="416" r:id="rId15"/>
+    <p:sldId id="417" r:id="rId16"/>
+    <p:sldId id="418" r:id="rId17"/>
+    <p:sldId id="419" r:id="rId18"/>
   </p:sldIdLst>
   <p:sldSz cx="9906000" cy="6858000" type="A4"/>
   <p:notesSz cx="6858000" cy="9144000"/>
@@ -220,7 +224,7 @@
           <a:p>
             <a:fld id="{7665CDAC-D627-4E87-877A-1B781DD4CADC}" type="datetimeFigureOut">
               <a:rPr lang="ko-KR" altLang="en-US" smtClean="0"/>
-              <a:t>2023-05-15</a:t>
+              <a:t>2023-05-16</a:t>
             </a:fld>
             <a:endParaRPr lang="ko-KR" altLang="en-US"/>
           </a:p>
@@ -632,7 +636,7 @@
           <a:p>
             <a:fld id="{C25BCFD5-C4DF-4EBC-B718-C69ED2FBDE6F}" type="datetime1">
               <a:rPr lang="ko-KR" altLang="en-US" smtClean="0"/>
-              <a:t>2023-05-15</a:t>
+              <a:t>2023-05-16</a:t>
             </a:fld>
             <a:endParaRPr lang="ko-KR" altLang="en-US"/>
           </a:p>
@@ -1083,7 +1087,7 @@
           <a:p>
             <a:fld id="{AB448CD7-D367-43D5-B461-ACE552E75063}" type="datetime1">
               <a:rPr lang="ko-KR" altLang="en-US" smtClean="0"/>
-              <a:t>2023-05-15</a:t>
+              <a:t>2023-05-16</a:t>
             </a:fld>
             <a:endParaRPr lang="ko-KR" altLang="en-US"/>
           </a:p>
@@ -1261,7 +1265,7 @@
           <a:p>
             <a:fld id="{B6E49E79-7361-4780-8BEF-7EDE3708298A}" type="datetime1">
               <a:rPr lang="ko-KR" altLang="en-US" smtClean="0"/>
-              <a:t>2023-05-15</a:t>
+              <a:t>2023-05-16</a:t>
             </a:fld>
             <a:endParaRPr lang="ko-KR" altLang="en-US"/>
           </a:p>
@@ -1433,7 +1437,7 @@
           <a:p>
             <a:fld id="{A4D42E3C-B70B-437C-85CF-1286301B9CBA}" type="datetime1">
               <a:rPr lang="ko-KR" altLang="en-US" smtClean="0"/>
-              <a:t>2023-05-15</a:t>
+              <a:t>2023-05-16</a:t>
             </a:fld>
             <a:endParaRPr lang="ko-KR" altLang="en-US"/>
           </a:p>
@@ -1685,7 +1689,7 @@
           <a:p>
             <a:fld id="{B3369A20-5B3D-4D98-A822-26B93D177A40}" type="datetime1">
               <a:rPr lang="ko-KR" altLang="en-US" smtClean="0"/>
-              <a:t>2023-05-15</a:t>
+              <a:t>2023-05-16</a:t>
             </a:fld>
             <a:endParaRPr lang="ko-KR" altLang="en-US"/>
           </a:p>
@@ -1970,7 +1974,7 @@
           <a:p>
             <a:fld id="{685CD4CE-9E43-4F70-A9D8-A2130CA7D92A}" type="datetime1">
               <a:rPr lang="ko-KR" altLang="en-US" smtClean="0"/>
-              <a:t>2023-05-15</a:t>
+              <a:t>2023-05-16</a:t>
             </a:fld>
             <a:endParaRPr lang="ko-KR" altLang="en-US"/>
           </a:p>
@@ -2396,7 +2400,7 @@
           <a:p>
             <a:fld id="{F752BD92-DA3E-4A0B-90C9-7DE5E15B6E96}" type="datetime1">
               <a:rPr lang="ko-KR" altLang="en-US" smtClean="0"/>
-              <a:t>2023-05-15</a:t>
+              <a:t>2023-05-16</a:t>
             </a:fld>
             <a:endParaRPr lang="ko-KR" altLang="en-US"/>
           </a:p>
@@ -2520,7 +2524,7 @@
           <a:p>
             <a:fld id="{8EA2B83A-F366-424E-B742-340ACF856BB5}" type="datetime1">
               <a:rPr lang="ko-KR" altLang="en-US" smtClean="0"/>
-              <a:t>2023-05-15</a:t>
+              <a:t>2023-05-16</a:t>
             </a:fld>
             <a:endParaRPr lang="ko-KR" altLang="en-US"/>
           </a:p>
@@ -2615,7 +2619,7 @@
           <a:p>
             <a:fld id="{9A49D68B-5DBD-48E9-A8D4-FCBC4B3DD9C6}" type="datetime1">
               <a:rPr lang="ko-KR" altLang="en-US" smtClean="0"/>
-              <a:t>2023-05-15</a:t>
+              <a:t>2023-05-16</a:t>
             </a:fld>
             <a:endParaRPr lang="ko-KR" altLang="en-US"/>
           </a:p>
@@ -2890,7 +2894,7 @@
           <a:p>
             <a:fld id="{4CAB534F-7D16-467B-9320-91F98915D181}" type="datetime1">
               <a:rPr lang="ko-KR" altLang="en-US" smtClean="0"/>
-              <a:t>2023-05-15</a:t>
+              <a:t>2023-05-16</a:t>
             </a:fld>
             <a:endParaRPr lang="ko-KR" altLang="en-US"/>
           </a:p>
@@ -3142,7 +3146,7 @@
           <a:p>
             <a:fld id="{A390A91F-2F8D-4486-A69D-D680F95444B0}" type="datetime1">
               <a:rPr lang="ko-KR" altLang="en-US" smtClean="0"/>
-              <a:t>2023-05-15</a:t>
+              <a:t>2023-05-16</a:t>
             </a:fld>
             <a:endParaRPr lang="ko-KR" altLang="en-US"/>
           </a:p>
@@ -3321,7 +3325,7 @@
           <a:p>
             <a:fld id="{2238BBEA-E8DD-414A-BF68-FC2AFA7CFF2D}" type="datetime1">
               <a:rPr lang="ko-KR" altLang="en-US" smtClean="0"/>
-              <a:t>2023-05-15</a:t>
+              <a:t>2023-05-16</a:t>
             </a:fld>
             <a:endParaRPr lang="ko-KR" altLang="en-US"/>
           </a:p>
@@ -6248,6 +6252,1838 @@
     <p:extLst>
       <p:ext uri="{BB962C8B-B14F-4D97-AF65-F5344CB8AC3E}">
         <p14:creationId xmlns:p14="http://schemas.microsoft.com/office/powerpoint/2010/main" val="1843719936"/>
+      </p:ext>
+    </p:extLst>
+  </p:cSld>
+  <p:clrMapOvr>
+    <a:masterClrMapping/>
+  </p:clrMapOvr>
+  <p:timing>
+    <p:tnLst>
+      <p:par>
+        <p:cTn id="1" dur="indefinite" restart="never" nodeType="tmRoot"/>
+      </p:par>
+    </p:tnLst>
+  </p:timing>
+</p:sld>
+</file>
+
+<file path=ppt/slides/slide14.xml><?xml version="1.0" encoding="utf-8"?>
+<p:sld xmlns:a="http://schemas.openxmlformats.org/drawingml/2006/main" xmlns:r="http://schemas.openxmlformats.org/officeDocument/2006/relationships" xmlns:p="http://schemas.openxmlformats.org/presentationml/2006/main">
+  <p:cSld>
+    <p:spTree>
+      <p:nvGrpSpPr>
+        <p:cNvPr id="1" name=""/>
+        <p:cNvGrpSpPr/>
+        <p:nvPr/>
+      </p:nvGrpSpPr>
+      <p:grpSpPr>
+        <a:xfrm>
+          <a:off x="0" y="0"/>
+          <a:ext cx="0" cy="0"/>
+          <a:chOff x="0" y="0"/>
+          <a:chExt cx="0" cy="0"/>
+        </a:xfrm>
+      </p:grpSpPr>
+      <p:sp>
+        <p:nvSpPr>
+          <p:cNvPr id="2" name="제목 1"/>
+          <p:cNvSpPr>
+            <a:spLocks noGrp="1"/>
+          </p:cNvSpPr>
+          <p:nvPr>
+            <p:ph type="title"/>
+          </p:nvPr>
+        </p:nvSpPr>
+        <p:spPr/>
+        <p:txBody>
+          <a:bodyPr/>
+          <a:lstStyle/>
+          <a:p>
+            <a:r>
+              <a:rPr lang="en-US" altLang="ko-KR" dirty="0"/>
+              <a:t> </a:t>
+            </a:r>
+            <a:r>
+              <a:rPr lang="ko-KR" altLang="en-US" dirty="0" smtClean="0"/>
+              <a:t>순차 탐색</a:t>
+            </a:r>
+            <a:endParaRPr lang="ko-KR" altLang="en-US" dirty="0"/>
+          </a:p>
+        </p:txBody>
+      </p:sp>
+      <p:sp>
+        <p:nvSpPr>
+          <p:cNvPr id="4" name="슬라이드 번호 개체 틀 3"/>
+          <p:cNvSpPr>
+            <a:spLocks noGrp="1"/>
+          </p:cNvSpPr>
+          <p:nvPr>
+            <p:ph type="sldNum" sz="quarter" idx="12"/>
+          </p:nvPr>
+        </p:nvSpPr>
+        <p:spPr/>
+        <p:txBody>
+          <a:bodyPr/>
+          <a:lstStyle/>
+          <a:p>
+            <a:fld id="{1BDE3FE7-3AEA-4B05-AC5A-802D1816ACF0}" type="slidenum">
+              <a:rPr lang="ko-KR" altLang="en-US" smtClean="0"/>
+              <a:t>14</a:t>
+            </a:fld>
+            <a:endParaRPr lang="ko-KR" altLang="en-US"/>
+          </a:p>
+        </p:txBody>
+      </p:sp>
+      <p:sp>
+        <p:nvSpPr>
+          <p:cNvPr id="3" name="TextBox 2"/>
+          <p:cNvSpPr txBox="1"/>
+          <p:nvPr/>
+        </p:nvSpPr>
+        <p:spPr>
+          <a:xfrm>
+            <a:off x="776536" y="1484784"/>
+            <a:ext cx="8136904" cy="1892826"/>
+          </a:xfrm>
+          <a:prstGeom prst="rect">
+            <a:avLst/>
+          </a:prstGeom>
+          <a:noFill/>
+        </p:spPr>
+        <p:txBody>
+          <a:bodyPr wrap="square" rtlCol="0">
+            <a:spAutoFit/>
+          </a:bodyPr>
+          <a:lstStyle/>
+          <a:p>
+            <a:pPr marL="285750" indent="-285750">
+              <a:buFont typeface="Wingdings" panose="05000000000000000000" pitchFamily="2" charset="2"/>
+              <a:buChar char="Ø"/>
+            </a:pPr>
+            <a:r>
+              <a:rPr lang="ko-KR" altLang="en-US" dirty="0" smtClean="0"/>
+              <a:t>주어진 리스트에 특정한 값이 있는지 찾아 그 위치를 돌려주는 알고리즘</a:t>
+            </a:r>
+            <a:endParaRPr lang="en-US" altLang="ko-KR" dirty="0" smtClean="0"/>
+          </a:p>
+          <a:p>
+            <a:pPr marL="285750" indent="-285750">
+              <a:buFont typeface="Wingdings" panose="05000000000000000000" pitchFamily="2" charset="2"/>
+              <a:buChar char="Ø"/>
+            </a:pPr>
+            <a:endParaRPr lang="en-US" altLang="ko-KR" dirty="0"/>
+          </a:p>
+          <a:p>
+            <a:pPr lvl="1">
+              <a:lnSpc>
+                <a:spcPct val="150000"/>
+              </a:lnSpc>
+            </a:pPr>
+            <a:r>
+              <a:rPr lang="ko-KR" altLang="en-US" dirty="0" smtClean="0">
+                <a:solidFill>
+                  <a:srgbClr val="0070C0"/>
+                </a:solidFill>
+              </a:rPr>
+              <a:t>리스트에 있는 첫번째 자료부터 하나씩 비교하면서 같은 값이 나오면 그 위치를 돌려주고</a:t>
+            </a:r>
+            <a:r>
+              <a:rPr lang="en-US" altLang="ko-KR" dirty="0" smtClean="0">
+                <a:solidFill>
+                  <a:srgbClr val="0070C0"/>
+                </a:solidFill>
+              </a:rPr>
+              <a:t>, </a:t>
+            </a:r>
+            <a:r>
+              <a:rPr lang="ko-KR" altLang="en-US" dirty="0" smtClean="0">
+                <a:solidFill>
+                  <a:srgbClr val="0070C0"/>
+                </a:solidFill>
+              </a:rPr>
+              <a:t>리스트 끝까지 찾아도 같은 값이 나오지 않으면 </a:t>
+            </a:r>
+            <a:r>
+              <a:rPr lang="en-US" altLang="ko-KR" dirty="0" smtClean="0">
+                <a:solidFill>
+                  <a:srgbClr val="0070C0"/>
+                </a:solidFill>
+              </a:rPr>
+              <a:t>-1</a:t>
+            </a:r>
+            <a:r>
+              <a:rPr lang="ko-KR" altLang="en-US" dirty="0" smtClean="0">
+                <a:solidFill>
+                  <a:srgbClr val="0070C0"/>
+                </a:solidFill>
+              </a:rPr>
+              <a:t>을</a:t>
+            </a:r>
+            <a:r>
+              <a:rPr lang="en-US" altLang="ko-KR" dirty="0" smtClean="0">
+                <a:solidFill>
+                  <a:srgbClr val="0070C0"/>
+                </a:solidFill>
+              </a:rPr>
+              <a:t> </a:t>
+            </a:r>
+            <a:r>
+              <a:rPr lang="ko-KR" altLang="en-US" dirty="0" smtClean="0">
+                <a:solidFill>
+                  <a:srgbClr val="0070C0"/>
+                </a:solidFill>
+              </a:rPr>
+              <a:t>반환함</a:t>
+            </a:r>
+            <a:endParaRPr lang="ko-KR" altLang="en-US" dirty="0">
+              <a:solidFill>
+                <a:srgbClr val="0070C0"/>
+              </a:solidFill>
+            </a:endParaRPr>
+          </a:p>
+        </p:txBody>
+      </p:sp>
+      <p:grpSp>
+        <p:nvGrpSpPr>
+          <p:cNvPr id="19" name="그룹 18"/>
+          <p:cNvGrpSpPr/>
+          <p:nvPr/>
+        </p:nvGrpSpPr>
+        <p:grpSpPr>
+          <a:xfrm>
+            <a:off x="3012854" y="4350331"/>
+            <a:ext cx="3812354" cy="1094893"/>
+            <a:chOff x="2360712" y="4566355"/>
+            <a:chExt cx="3812354" cy="1094893"/>
+          </a:xfrm>
+        </p:grpSpPr>
+        <p:sp>
+          <p:nvSpPr>
+            <p:cNvPr id="6" name="직사각형 5"/>
+            <p:cNvSpPr/>
+            <p:nvPr/>
+          </p:nvSpPr>
+          <p:spPr>
+            <a:xfrm>
+              <a:off x="2375453" y="4566355"/>
+              <a:ext cx="644002" cy="518829"/>
+            </a:xfrm>
+            <a:prstGeom prst="rect">
+              <a:avLst/>
+            </a:prstGeom>
+            <a:ln/>
+          </p:spPr>
+          <p:style>
+            <a:lnRef idx="2">
+              <a:schemeClr val="accent3"/>
+            </a:lnRef>
+            <a:fillRef idx="1">
+              <a:schemeClr val="lt1"/>
+            </a:fillRef>
+            <a:effectRef idx="0">
+              <a:schemeClr val="accent3"/>
+            </a:effectRef>
+            <a:fontRef idx="minor">
+              <a:schemeClr val="dk1"/>
+            </a:fontRef>
+          </p:style>
+          <p:txBody>
+            <a:bodyPr rtlCol="0" anchor="ctr"/>
+            <a:lstStyle/>
+            <a:p>
+              <a:pPr algn="ctr"/>
+              <a:r>
+                <a:rPr lang="en-US" altLang="ko-KR" sz="1600" dirty="0" smtClean="0"/>
+                <a:t>60</a:t>
+              </a:r>
+              <a:endParaRPr lang="ko-KR" altLang="en-US" sz="1600" dirty="0"/>
+            </a:p>
+          </p:txBody>
+        </p:sp>
+        <p:sp>
+          <p:nvSpPr>
+            <p:cNvPr id="7" name="직사각형 6"/>
+            <p:cNvSpPr/>
+            <p:nvPr/>
+          </p:nvSpPr>
+          <p:spPr>
+            <a:xfrm>
+              <a:off x="3019454" y="4566355"/>
+              <a:ext cx="644002" cy="518829"/>
+            </a:xfrm>
+            <a:prstGeom prst="rect">
+              <a:avLst/>
+            </a:prstGeom>
+            <a:ln/>
+          </p:spPr>
+          <p:style>
+            <a:lnRef idx="2">
+              <a:schemeClr val="accent3"/>
+            </a:lnRef>
+            <a:fillRef idx="1">
+              <a:schemeClr val="lt1"/>
+            </a:fillRef>
+            <a:effectRef idx="0">
+              <a:schemeClr val="accent3"/>
+            </a:effectRef>
+            <a:fontRef idx="minor">
+              <a:schemeClr val="dk1"/>
+            </a:fontRef>
+          </p:style>
+          <p:txBody>
+            <a:bodyPr rtlCol="0" anchor="ctr"/>
+            <a:lstStyle/>
+            <a:p>
+              <a:pPr algn="ctr"/>
+              <a:r>
+                <a:rPr lang="en-US" altLang="ko-KR" sz="1600" dirty="0" smtClean="0"/>
+                <a:t>5</a:t>
+              </a:r>
+              <a:endParaRPr lang="ko-KR" altLang="en-US" sz="1600" dirty="0"/>
+            </a:p>
+          </p:txBody>
+        </p:sp>
+        <p:sp>
+          <p:nvSpPr>
+            <p:cNvPr id="8" name="직사각형 7"/>
+            <p:cNvSpPr/>
+            <p:nvPr/>
+          </p:nvSpPr>
+          <p:spPr>
+            <a:xfrm>
+              <a:off x="3675666" y="4566355"/>
+              <a:ext cx="644002" cy="518829"/>
+            </a:xfrm>
+            <a:prstGeom prst="rect">
+              <a:avLst/>
+            </a:prstGeom>
+            <a:ln/>
+          </p:spPr>
+          <p:style>
+            <a:lnRef idx="2">
+              <a:schemeClr val="accent3"/>
+            </a:lnRef>
+            <a:fillRef idx="1">
+              <a:schemeClr val="lt1"/>
+            </a:fillRef>
+            <a:effectRef idx="0">
+              <a:schemeClr val="accent3"/>
+            </a:effectRef>
+            <a:fontRef idx="minor">
+              <a:schemeClr val="dk1"/>
+            </a:fontRef>
+          </p:style>
+          <p:txBody>
+            <a:bodyPr rtlCol="0" anchor="ctr"/>
+            <a:lstStyle/>
+            <a:p>
+              <a:pPr algn="ctr"/>
+              <a:r>
+                <a:rPr lang="en-US" altLang="ko-KR" sz="1600" dirty="0" smtClean="0"/>
+                <a:t>33</a:t>
+              </a:r>
+              <a:endParaRPr lang="ko-KR" altLang="en-US" sz="1600" dirty="0"/>
+            </a:p>
+          </p:txBody>
+        </p:sp>
+        <p:sp>
+          <p:nvSpPr>
+            <p:cNvPr id="9" name="직사각형 8"/>
+            <p:cNvSpPr/>
+            <p:nvPr/>
+          </p:nvSpPr>
+          <p:spPr>
+            <a:xfrm>
+              <a:off x="4315597" y="4566355"/>
+              <a:ext cx="644002" cy="518829"/>
+            </a:xfrm>
+            <a:prstGeom prst="rect">
+              <a:avLst/>
+            </a:prstGeom>
+            <a:ln/>
+          </p:spPr>
+          <p:style>
+            <a:lnRef idx="2">
+              <a:schemeClr val="accent3"/>
+            </a:lnRef>
+            <a:fillRef idx="1">
+              <a:schemeClr val="lt1"/>
+            </a:fillRef>
+            <a:effectRef idx="0">
+              <a:schemeClr val="accent3"/>
+            </a:effectRef>
+            <a:fontRef idx="minor">
+              <a:schemeClr val="dk1"/>
+            </a:fontRef>
+          </p:style>
+          <p:txBody>
+            <a:bodyPr rtlCol="0" anchor="ctr"/>
+            <a:lstStyle/>
+            <a:p>
+              <a:pPr algn="ctr"/>
+              <a:r>
+                <a:rPr lang="en-US" altLang="ko-KR" sz="1600" dirty="0" smtClean="0"/>
+                <a:t>12</a:t>
+              </a:r>
+              <a:endParaRPr lang="ko-KR" altLang="en-US" sz="1600" dirty="0"/>
+            </a:p>
+          </p:txBody>
+        </p:sp>
+        <p:sp>
+          <p:nvSpPr>
+            <p:cNvPr id="10" name="직사각형 9"/>
+            <p:cNvSpPr/>
+            <p:nvPr/>
+          </p:nvSpPr>
+          <p:spPr>
+            <a:xfrm>
+              <a:off x="4953000" y="4566355"/>
+              <a:ext cx="644002" cy="518829"/>
+            </a:xfrm>
+            <a:prstGeom prst="rect">
+              <a:avLst/>
+            </a:prstGeom>
+            <a:ln/>
+          </p:spPr>
+          <p:style>
+            <a:lnRef idx="2">
+              <a:schemeClr val="accent3"/>
+            </a:lnRef>
+            <a:fillRef idx="1">
+              <a:schemeClr val="lt1"/>
+            </a:fillRef>
+            <a:effectRef idx="0">
+              <a:schemeClr val="accent3"/>
+            </a:effectRef>
+            <a:fontRef idx="minor">
+              <a:schemeClr val="dk1"/>
+            </a:fontRef>
+          </p:style>
+          <p:txBody>
+            <a:bodyPr rtlCol="0" anchor="ctr"/>
+            <a:lstStyle/>
+            <a:p>
+              <a:pPr algn="ctr"/>
+              <a:r>
+                <a:rPr lang="en-US" altLang="ko-KR" sz="1600" dirty="0" smtClean="0"/>
+                <a:t>97</a:t>
+              </a:r>
+              <a:endParaRPr lang="ko-KR" altLang="en-US" sz="1600" dirty="0"/>
+            </a:p>
+          </p:txBody>
+        </p:sp>
+        <p:sp>
+          <p:nvSpPr>
+            <p:cNvPr id="11" name="직사각형 10"/>
+            <p:cNvSpPr/>
+            <p:nvPr/>
+          </p:nvSpPr>
+          <p:spPr>
+            <a:xfrm>
+              <a:off x="5529064" y="4566355"/>
+              <a:ext cx="644002" cy="518829"/>
+            </a:xfrm>
+            <a:prstGeom prst="rect">
+              <a:avLst/>
+            </a:prstGeom>
+            <a:ln/>
+          </p:spPr>
+          <p:style>
+            <a:lnRef idx="2">
+              <a:schemeClr val="accent3"/>
+            </a:lnRef>
+            <a:fillRef idx="1">
+              <a:schemeClr val="lt1"/>
+            </a:fillRef>
+            <a:effectRef idx="0">
+              <a:schemeClr val="accent3"/>
+            </a:effectRef>
+            <a:fontRef idx="minor">
+              <a:schemeClr val="dk1"/>
+            </a:fontRef>
+          </p:style>
+          <p:txBody>
+            <a:bodyPr rtlCol="0" anchor="ctr"/>
+            <a:lstStyle/>
+            <a:p>
+              <a:pPr algn="ctr"/>
+              <a:r>
+                <a:rPr lang="en-US" altLang="ko-KR" sz="1600" dirty="0" smtClean="0"/>
+                <a:t>24</a:t>
+              </a:r>
+              <a:endParaRPr lang="ko-KR" altLang="en-US" sz="1600" dirty="0"/>
+            </a:p>
+          </p:txBody>
+        </p:sp>
+        <p:sp>
+          <p:nvSpPr>
+            <p:cNvPr id="12" name="직사각형 11"/>
+            <p:cNvSpPr/>
+            <p:nvPr/>
+          </p:nvSpPr>
+          <p:spPr>
+            <a:xfrm>
+              <a:off x="2360712" y="5142419"/>
+              <a:ext cx="644002" cy="518829"/>
+            </a:xfrm>
+            <a:prstGeom prst="rect">
+              <a:avLst/>
+            </a:prstGeom>
+            <a:ln>
+              <a:noFill/>
+            </a:ln>
+          </p:spPr>
+          <p:style>
+            <a:lnRef idx="2">
+              <a:schemeClr val="accent3"/>
+            </a:lnRef>
+            <a:fillRef idx="1">
+              <a:schemeClr val="lt1"/>
+            </a:fillRef>
+            <a:effectRef idx="0">
+              <a:schemeClr val="accent3"/>
+            </a:effectRef>
+            <a:fontRef idx="minor">
+              <a:schemeClr val="dk1"/>
+            </a:fontRef>
+          </p:style>
+          <p:txBody>
+            <a:bodyPr rtlCol="0" anchor="ctr"/>
+            <a:lstStyle/>
+            <a:p>
+              <a:pPr algn="ctr"/>
+              <a:r>
+                <a:rPr lang="en-US" altLang="ko-KR" sz="1600" dirty="0" smtClean="0"/>
+                <a:t>0</a:t>
+              </a:r>
+              <a:endParaRPr lang="ko-KR" altLang="en-US" sz="1600" dirty="0"/>
+            </a:p>
+          </p:txBody>
+        </p:sp>
+        <p:sp>
+          <p:nvSpPr>
+            <p:cNvPr id="13" name="직사각형 12"/>
+            <p:cNvSpPr/>
+            <p:nvPr/>
+          </p:nvSpPr>
+          <p:spPr>
+            <a:xfrm>
+              <a:off x="3013273" y="5142419"/>
+              <a:ext cx="644002" cy="518829"/>
+            </a:xfrm>
+            <a:prstGeom prst="rect">
+              <a:avLst/>
+            </a:prstGeom>
+            <a:ln>
+              <a:noFill/>
+            </a:ln>
+          </p:spPr>
+          <p:style>
+            <a:lnRef idx="2">
+              <a:schemeClr val="accent3"/>
+            </a:lnRef>
+            <a:fillRef idx="1">
+              <a:schemeClr val="lt1"/>
+            </a:fillRef>
+            <a:effectRef idx="0">
+              <a:schemeClr val="accent3"/>
+            </a:effectRef>
+            <a:fontRef idx="minor">
+              <a:schemeClr val="dk1"/>
+            </a:fontRef>
+          </p:style>
+          <p:txBody>
+            <a:bodyPr rtlCol="0" anchor="ctr"/>
+            <a:lstStyle/>
+            <a:p>
+              <a:pPr algn="ctr"/>
+              <a:r>
+                <a:rPr lang="en-US" altLang="ko-KR" sz="1600" dirty="0" smtClean="0"/>
+                <a:t>1</a:t>
+              </a:r>
+              <a:endParaRPr lang="ko-KR" altLang="en-US" sz="1600" dirty="0"/>
+            </a:p>
+          </p:txBody>
+        </p:sp>
+        <p:sp>
+          <p:nvSpPr>
+            <p:cNvPr id="14" name="직사각형 13"/>
+            <p:cNvSpPr/>
+            <p:nvPr/>
+          </p:nvSpPr>
+          <p:spPr>
+            <a:xfrm>
+              <a:off x="3584848" y="5142419"/>
+              <a:ext cx="644002" cy="518829"/>
+            </a:xfrm>
+            <a:prstGeom prst="rect">
+              <a:avLst/>
+            </a:prstGeom>
+            <a:ln>
+              <a:noFill/>
+            </a:ln>
+          </p:spPr>
+          <p:style>
+            <a:lnRef idx="2">
+              <a:schemeClr val="accent3"/>
+            </a:lnRef>
+            <a:fillRef idx="1">
+              <a:schemeClr val="lt1"/>
+            </a:fillRef>
+            <a:effectRef idx="0">
+              <a:schemeClr val="accent3"/>
+            </a:effectRef>
+            <a:fontRef idx="minor">
+              <a:schemeClr val="dk1"/>
+            </a:fontRef>
+          </p:style>
+          <p:txBody>
+            <a:bodyPr rtlCol="0" anchor="ctr"/>
+            <a:lstStyle/>
+            <a:p>
+              <a:pPr algn="ctr"/>
+              <a:r>
+                <a:rPr lang="en-US" altLang="ko-KR" sz="1600" dirty="0" smtClean="0"/>
+                <a:t>2</a:t>
+              </a:r>
+              <a:endParaRPr lang="ko-KR" altLang="en-US" sz="1600" dirty="0"/>
+            </a:p>
+          </p:txBody>
+        </p:sp>
+        <p:sp>
+          <p:nvSpPr>
+            <p:cNvPr id="15" name="직사각형 14"/>
+            <p:cNvSpPr/>
+            <p:nvPr/>
+          </p:nvSpPr>
+          <p:spPr>
+            <a:xfrm>
+              <a:off x="4308998" y="5142419"/>
+              <a:ext cx="644002" cy="518829"/>
+            </a:xfrm>
+            <a:prstGeom prst="rect">
+              <a:avLst/>
+            </a:prstGeom>
+            <a:ln>
+              <a:noFill/>
+            </a:ln>
+          </p:spPr>
+          <p:style>
+            <a:lnRef idx="2">
+              <a:schemeClr val="accent3"/>
+            </a:lnRef>
+            <a:fillRef idx="1">
+              <a:schemeClr val="lt1"/>
+            </a:fillRef>
+            <a:effectRef idx="0">
+              <a:schemeClr val="accent3"/>
+            </a:effectRef>
+            <a:fontRef idx="minor">
+              <a:schemeClr val="dk1"/>
+            </a:fontRef>
+          </p:style>
+          <p:txBody>
+            <a:bodyPr rtlCol="0" anchor="ctr"/>
+            <a:lstStyle/>
+            <a:p>
+              <a:pPr algn="ctr"/>
+              <a:endParaRPr lang="ko-KR" altLang="en-US" sz="1600" dirty="0"/>
+            </a:p>
+          </p:txBody>
+        </p:sp>
+        <p:sp>
+          <p:nvSpPr>
+            <p:cNvPr id="16" name="직사각형 15"/>
+            <p:cNvSpPr/>
+            <p:nvPr/>
+          </p:nvSpPr>
+          <p:spPr>
+            <a:xfrm>
+              <a:off x="4917544" y="5142419"/>
+              <a:ext cx="644002" cy="518829"/>
+            </a:xfrm>
+            <a:prstGeom prst="rect">
+              <a:avLst/>
+            </a:prstGeom>
+            <a:ln>
+              <a:noFill/>
+            </a:ln>
+          </p:spPr>
+          <p:style>
+            <a:lnRef idx="2">
+              <a:schemeClr val="accent3"/>
+            </a:lnRef>
+            <a:fillRef idx="1">
+              <a:schemeClr val="lt1"/>
+            </a:fillRef>
+            <a:effectRef idx="0">
+              <a:schemeClr val="accent3"/>
+            </a:effectRef>
+            <a:fontRef idx="minor">
+              <a:schemeClr val="dk1"/>
+            </a:fontRef>
+          </p:style>
+          <p:txBody>
+            <a:bodyPr rtlCol="0" anchor="ctr"/>
+            <a:lstStyle/>
+            <a:p>
+              <a:pPr algn="ctr"/>
+              <a:r>
+                <a:rPr lang="en-US" altLang="ko-KR" sz="1600" dirty="0" smtClean="0"/>
+                <a:t>4</a:t>
+              </a:r>
+              <a:endParaRPr lang="ko-KR" altLang="en-US" sz="1600" dirty="0"/>
+            </a:p>
+          </p:txBody>
+        </p:sp>
+        <p:sp>
+          <p:nvSpPr>
+            <p:cNvPr id="17" name="직사각형 16"/>
+            <p:cNvSpPr/>
+            <p:nvPr/>
+          </p:nvSpPr>
+          <p:spPr>
+            <a:xfrm>
+              <a:off x="5526090" y="5142419"/>
+              <a:ext cx="644002" cy="518829"/>
+            </a:xfrm>
+            <a:prstGeom prst="rect">
+              <a:avLst/>
+            </a:prstGeom>
+            <a:ln>
+              <a:noFill/>
+            </a:ln>
+          </p:spPr>
+          <p:style>
+            <a:lnRef idx="2">
+              <a:schemeClr val="accent3"/>
+            </a:lnRef>
+            <a:fillRef idx="1">
+              <a:schemeClr val="lt1"/>
+            </a:fillRef>
+            <a:effectRef idx="0">
+              <a:schemeClr val="accent3"/>
+            </a:effectRef>
+            <a:fontRef idx="minor">
+              <a:schemeClr val="dk1"/>
+            </a:fontRef>
+          </p:style>
+          <p:txBody>
+            <a:bodyPr rtlCol="0" anchor="ctr"/>
+            <a:lstStyle/>
+            <a:p>
+              <a:pPr algn="ctr"/>
+              <a:r>
+                <a:rPr lang="en-US" altLang="ko-KR" sz="1600" dirty="0" smtClean="0"/>
+                <a:t>5</a:t>
+              </a:r>
+              <a:endParaRPr lang="ko-KR" altLang="en-US" sz="1600" dirty="0"/>
+            </a:p>
+          </p:txBody>
+        </p:sp>
+        <p:sp>
+          <p:nvSpPr>
+            <p:cNvPr id="18" name="직사각형 17"/>
+            <p:cNvSpPr/>
+            <p:nvPr/>
+          </p:nvSpPr>
+          <p:spPr>
+            <a:xfrm>
+              <a:off x="4308998" y="5142419"/>
+              <a:ext cx="644002" cy="518829"/>
+            </a:xfrm>
+            <a:prstGeom prst="rect">
+              <a:avLst/>
+            </a:prstGeom>
+            <a:ln>
+              <a:noFill/>
+            </a:ln>
+          </p:spPr>
+          <p:style>
+            <a:lnRef idx="2">
+              <a:schemeClr val="accent3"/>
+            </a:lnRef>
+            <a:fillRef idx="1">
+              <a:schemeClr val="lt1"/>
+            </a:fillRef>
+            <a:effectRef idx="0">
+              <a:schemeClr val="accent3"/>
+            </a:effectRef>
+            <a:fontRef idx="minor">
+              <a:schemeClr val="dk1"/>
+            </a:fontRef>
+          </p:style>
+          <p:txBody>
+            <a:bodyPr rtlCol="0" anchor="ctr"/>
+            <a:lstStyle/>
+            <a:p>
+              <a:pPr algn="ctr"/>
+              <a:r>
+                <a:rPr lang="en-US" altLang="ko-KR" sz="1600" dirty="0" smtClean="0"/>
+                <a:t>3</a:t>
+              </a:r>
+              <a:endParaRPr lang="ko-KR" altLang="en-US" sz="1600" dirty="0"/>
+            </a:p>
+          </p:txBody>
+        </p:sp>
+      </p:grpSp>
+      <p:sp>
+        <p:nvSpPr>
+          <p:cNvPr id="22" name="자유형 21"/>
+          <p:cNvSpPr/>
+          <p:nvPr/>
+        </p:nvSpPr>
+        <p:spPr>
+          <a:xfrm>
+            <a:off x="2299817" y="3904439"/>
+            <a:ext cx="1001069" cy="388658"/>
+          </a:xfrm>
+          <a:custGeom>
+            <a:avLst/>
+            <a:gdLst>
+              <a:gd name="connsiteX0" fmla="*/ 0 w 748937"/>
+              <a:gd name="connsiteY0" fmla="*/ 139361 h 139361"/>
+              <a:gd name="connsiteX1" fmla="*/ 426720 w 748937"/>
+              <a:gd name="connsiteY1" fmla="*/ 23 h 139361"/>
+              <a:gd name="connsiteX2" fmla="*/ 748937 w 748937"/>
+              <a:gd name="connsiteY2" fmla="*/ 130652 h 139361"/>
+            </a:gdLst>
+            <a:ahLst/>
+            <a:cxnLst>
+              <a:cxn ang="0">
+                <a:pos x="connsiteX0" y="connsiteY0"/>
+              </a:cxn>
+              <a:cxn ang="0">
+                <a:pos x="connsiteX1" y="connsiteY1"/>
+              </a:cxn>
+              <a:cxn ang="0">
+                <a:pos x="connsiteX2" y="connsiteY2"/>
+              </a:cxn>
+            </a:cxnLst>
+            <a:rect l="l" t="t" r="r" b="b"/>
+            <a:pathLst>
+              <a:path w="748937" h="139361">
+                <a:moveTo>
+                  <a:pt x="0" y="139361"/>
+                </a:moveTo>
+                <a:cubicBezTo>
+                  <a:pt x="150948" y="70417"/>
+                  <a:pt x="301897" y="1474"/>
+                  <a:pt x="426720" y="23"/>
+                </a:cubicBezTo>
+                <a:cubicBezTo>
+                  <a:pt x="551543" y="-1428"/>
+                  <a:pt x="650240" y="64612"/>
+                  <a:pt x="748937" y="130652"/>
+                </a:cubicBezTo>
+              </a:path>
+            </a:pathLst>
+          </a:custGeom>
+          <a:noFill/>
+          <a:ln w="12700">
+            <a:solidFill>
+              <a:schemeClr val="tx1"/>
+            </a:solidFill>
+            <a:headEnd type="none" w="med" len="med"/>
+            <a:tailEnd type="triangle" w="med" len="med"/>
+          </a:ln>
+        </p:spPr>
+        <p:style>
+          <a:lnRef idx="2">
+            <a:schemeClr val="accent1">
+              <a:shade val="50000"/>
+            </a:schemeClr>
+          </a:lnRef>
+          <a:fillRef idx="1">
+            <a:schemeClr val="accent1"/>
+          </a:fillRef>
+          <a:effectRef idx="0">
+            <a:schemeClr val="accent1"/>
+          </a:effectRef>
+          <a:fontRef idx="minor">
+            <a:schemeClr val="lt1"/>
+          </a:fontRef>
+        </p:style>
+        <p:txBody>
+          <a:bodyPr rtlCol="0" anchor="ctr"/>
+          <a:lstStyle/>
+          <a:p>
+            <a:pPr algn="ctr"/>
+            <a:endParaRPr lang="ko-KR" altLang="en-US"/>
+          </a:p>
+        </p:txBody>
+      </p:sp>
+      <p:sp>
+        <p:nvSpPr>
+          <p:cNvPr id="23" name="TextBox 22"/>
+          <p:cNvSpPr txBox="1"/>
+          <p:nvPr/>
+        </p:nvSpPr>
+        <p:spPr>
+          <a:xfrm>
+            <a:off x="2936776" y="3573016"/>
+            <a:ext cx="559288" cy="338554"/>
+          </a:xfrm>
+          <a:prstGeom prst="rect">
+            <a:avLst/>
+          </a:prstGeom>
+          <a:noFill/>
+        </p:spPr>
+        <p:txBody>
+          <a:bodyPr wrap="square" rtlCol="0">
+            <a:spAutoFit/>
+          </a:bodyPr>
+          <a:lstStyle/>
+          <a:p>
+            <a:r>
+              <a:rPr lang="en-US" altLang="ko-KR" sz="1600" dirty="0" smtClean="0"/>
+              <a:t>12?</a:t>
+            </a:r>
+          </a:p>
+        </p:txBody>
+      </p:sp>
+      <p:sp>
+        <p:nvSpPr>
+          <p:cNvPr id="24" name="TextBox 23"/>
+          <p:cNvSpPr txBox="1"/>
+          <p:nvPr/>
+        </p:nvSpPr>
+        <p:spPr>
+          <a:xfrm>
+            <a:off x="3691838" y="3573016"/>
+            <a:ext cx="559288" cy="338554"/>
+          </a:xfrm>
+          <a:prstGeom prst="rect">
+            <a:avLst/>
+          </a:prstGeom>
+          <a:noFill/>
+        </p:spPr>
+        <p:txBody>
+          <a:bodyPr wrap="square" rtlCol="0">
+            <a:spAutoFit/>
+          </a:bodyPr>
+          <a:lstStyle/>
+          <a:p>
+            <a:r>
+              <a:rPr lang="en-US" altLang="ko-KR" sz="1600" dirty="0" smtClean="0"/>
+              <a:t>12?</a:t>
+            </a:r>
+          </a:p>
+        </p:txBody>
+      </p:sp>
+      <p:sp>
+        <p:nvSpPr>
+          <p:cNvPr id="25" name="TextBox 24"/>
+          <p:cNvSpPr txBox="1"/>
+          <p:nvPr/>
+        </p:nvSpPr>
+        <p:spPr>
+          <a:xfrm>
+            <a:off x="5016792" y="3603185"/>
+            <a:ext cx="559288" cy="307777"/>
+          </a:xfrm>
+          <a:prstGeom prst="rect">
+            <a:avLst/>
+          </a:prstGeom>
+          <a:noFill/>
+        </p:spPr>
+        <p:txBody>
+          <a:bodyPr wrap="square" rtlCol="0">
+            <a:spAutoFit/>
+          </a:bodyPr>
+          <a:lstStyle/>
+          <a:p>
+            <a:r>
+              <a:rPr lang="ko-KR" altLang="en-US" sz="1400" dirty="0" smtClean="0"/>
+              <a:t>찾음</a:t>
+            </a:r>
+            <a:endParaRPr lang="en-US" altLang="ko-KR" sz="1400" dirty="0" smtClean="0"/>
+          </a:p>
+        </p:txBody>
+      </p:sp>
+      <p:sp>
+        <p:nvSpPr>
+          <p:cNvPr id="26" name="자유형 25"/>
+          <p:cNvSpPr/>
+          <p:nvPr/>
+        </p:nvSpPr>
+        <p:spPr>
+          <a:xfrm>
+            <a:off x="3212548" y="3860306"/>
+            <a:ext cx="801375" cy="432789"/>
+          </a:xfrm>
+          <a:custGeom>
+            <a:avLst/>
+            <a:gdLst>
+              <a:gd name="connsiteX0" fmla="*/ 0 w 748937"/>
+              <a:gd name="connsiteY0" fmla="*/ 139361 h 139361"/>
+              <a:gd name="connsiteX1" fmla="*/ 426720 w 748937"/>
+              <a:gd name="connsiteY1" fmla="*/ 23 h 139361"/>
+              <a:gd name="connsiteX2" fmla="*/ 748937 w 748937"/>
+              <a:gd name="connsiteY2" fmla="*/ 130652 h 139361"/>
+            </a:gdLst>
+            <a:ahLst/>
+            <a:cxnLst>
+              <a:cxn ang="0">
+                <a:pos x="connsiteX0" y="connsiteY0"/>
+              </a:cxn>
+              <a:cxn ang="0">
+                <a:pos x="connsiteX1" y="connsiteY1"/>
+              </a:cxn>
+              <a:cxn ang="0">
+                <a:pos x="connsiteX2" y="connsiteY2"/>
+              </a:cxn>
+            </a:cxnLst>
+            <a:rect l="l" t="t" r="r" b="b"/>
+            <a:pathLst>
+              <a:path w="748937" h="139361">
+                <a:moveTo>
+                  <a:pt x="0" y="139361"/>
+                </a:moveTo>
+                <a:cubicBezTo>
+                  <a:pt x="150948" y="70417"/>
+                  <a:pt x="301897" y="1474"/>
+                  <a:pt x="426720" y="23"/>
+                </a:cubicBezTo>
+                <a:cubicBezTo>
+                  <a:pt x="551543" y="-1428"/>
+                  <a:pt x="650240" y="64612"/>
+                  <a:pt x="748937" y="130652"/>
+                </a:cubicBezTo>
+              </a:path>
+            </a:pathLst>
+          </a:custGeom>
+          <a:noFill/>
+          <a:ln w="12700">
+            <a:solidFill>
+              <a:schemeClr val="tx1"/>
+            </a:solidFill>
+            <a:headEnd type="none" w="med" len="med"/>
+            <a:tailEnd type="triangle" w="med" len="med"/>
+          </a:ln>
+        </p:spPr>
+        <p:style>
+          <a:lnRef idx="2">
+            <a:schemeClr val="accent1">
+              <a:shade val="50000"/>
+            </a:schemeClr>
+          </a:lnRef>
+          <a:fillRef idx="1">
+            <a:schemeClr val="accent1"/>
+          </a:fillRef>
+          <a:effectRef idx="0">
+            <a:schemeClr val="accent1"/>
+          </a:effectRef>
+          <a:fontRef idx="minor">
+            <a:schemeClr val="lt1"/>
+          </a:fontRef>
+        </p:style>
+        <p:txBody>
+          <a:bodyPr rtlCol="0" anchor="ctr"/>
+          <a:lstStyle/>
+          <a:p>
+            <a:pPr algn="ctr"/>
+            <a:endParaRPr lang="ko-KR" altLang="en-US"/>
+          </a:p>
+        </p:txBody>
+      </p:sp>
+      <p:sp>
+        <p:nvSpPr>
+          <p:cNvPr id="27" name="자유형 26"/>
+          <p:cNvSpPr/>
+          <p:nvPr/>
+        </p:nvSpPr>
+        <p:spPr>
+          <a:xfrm>
+            <a:off x="3888780" y="3888923"/>
+            <a:ext cx="801375" cy="432789"/>
+          </a:xfrm>
+          <a:custGeom>
+            <a:avLst/>
+            <a:gdLst>
+              <a:gd name="connsiteX0" fmla="*/ 0 w 748937"/>
+              <a:gd name="connsiteY0" fmla="*/ 139361 h 139361"/>
+              <a:gd name="connsiteX1" fmla="*/ 426720 w 748937"/>
+              <a:gd name="connsiteY1" fmla="*/ 23 h 139361"/>
+              <a:gd name="connsiteX2" fmla="*/ 748937 w 748937"/>
+              <a:gd name="connsiteY2" fmla="*/ 130652 h 139361"/>
+            </a:gdLst>
+            <a:ahLst/>
+            <a:cxnLst>
+              <a:cxn ang="0">
+                <a:pos x="connsiteX0" y="connsiteY0"/>
+              </a:cxn>
+              <a:cxn ang="0">
+                <a:pos x="connsiteX1" y="connsiteY1"/>
+              </a:cxn>
+              <a:cxn ang="0">
+                <a:pos x="connsiteX2" y="connsiteY2"/>
+              </a:cxn>
+            </a:cxnLst>
+            <a:rect l="l" t="t" r="r" b="b"/>
+            <a:pathLst>
+              <a:path w="748937" h="139361">
+                <a:moveTo>
+                  <a:pt x="0" y="139361"/>
+                </a:moveTo>
+                <a:cubicBezTo>
+                  <a:pt x="150948" y="70417"/>
+                  <a:pt x="301897" y="1474"/>
+                  <a:pt x="426720" y="23"/>
+                </a:cubicBezTo>
+                <a:cubicBezTo>
+                  <a:pt x="551543" y="-1428"/>
+                  <a:pt x="650240" y="64612"/>
+                  <a:pt x="748937" y="130652"/>
+                </a:cubicBezTo>
+              </a:path>
+            </a:pathLst>
+          </a:custGeom>
+          <a:noFill/>
+          <a:ln w="12700">
+            <a:solidFill>
+              <a:schemeClr val="tx1"/>
+            </a:solidFill>
+            <a:headEnd type="none" w="med" len="med"/>
+            <a:tailEnd type="triangle" w="med" len="med"/>
+          </a:ln>
+        </p:spPr>
+        <p:style>
+          <a:lnRef idx="2">
+            <a:schemeClr val="accent1">
+              <a:shade val="50000"/>
+            </a:schemeClr>
+          </a:lnRef>
+          <a:fillRef idx="1">
+            <a:schemeClr val="accent1"/>
+          </a:fillRef>
+          <a:effectRef idx="0">
+            <a:schemeClr val="accent1"/>
+          </a:effectRef>
+          <a:fontRef idx="minor">
+            <a:schemeClr val="lt1"/>
+          </a:fontRef>
+        </p:style>
+        <p:txBody>
+          <a:bodyPr rtlCol="0" anchor="ctr"/>
+          <a:lstStyle/>
+          <a:p>
+            <a:pPr algn="ctr"/>
+            <a:endParaRPr lang="ko-KR" altLang="en-US"/>
+          </a:p>
+        </p:txBody>
+      </p:sp>
+      <p:sp>
+        <p:nvSpPr>
+          <p:cNvPr id="28" name="TextBox 27"/>
+          <p:cNvSpPr txBox="1"/>
+          <p:nvPr/>
+        </p:nvSpPr>
+        <p:spPr>
+          <a:xfrm>
+            <a:off x="4318309" y="3573016"/>
+            <a:ext cx="559288" cy="338554"/>
+          </a:xfrm>
+          <a:prstGeom prst="rect">
+            <a:avLst/>
+          </a:prstGeom>
+          <a:noFill/>
+        </p:spPr>
+        <p:txBody>
+          <a:bodyPr wrap="square" rtlCol="0">
+            <a:spAutoFit/>
+          </a:bodyPr>
+          <a:lstStyle/>
+          <a:p>
+            <a:r>
+              <a:rPr lang="en-US" altLang="ko-KR" sz="1600" dirty="0" smtClean="0"/>
+              <a:t>12?</a:t>
+            </a:r>
+          </a:p>
+        </p:txBody>
+      </p:sp>
+      <p:sp>
+        <p:nvSpPr>
+          <p:cNvPr id="29" name="자유형 28"/>
+          <p:cNvSpPr/>
+          <p:nvPr/>
+        </p:nvSpPr>
+        <p:spPr>
+          <a:xfrm>
+            <a:off x="4570467" y="3882373"/>
+            <a:ext cx="801375" cy="432789"/>
+          </a:xfrm>
+          <a:custGeom>
+            <a:avLst/>
+            <a:gdLst>
+              <a:gd name="connsiteX0" fmla="*/ 0 w 748937"/>
+              <a:gd name="connsiteY0" fmla="*/ 139361 h 139361"/>
+              <a:gd name="connsiteX1" fmla="*/ 426720 w 748937"/>
+              <a:gd name="connsiteY1" fmla="*/ 23 h 139361"/>
+              <a:gd name="connsiteX2" fmla="*/ 748937 w 748937"/>
+              <a:gd name="connsiteY2" fmla="*/ 130652 h 139361"/>
+            </a:gdLst>
+            <a:ahLst/>
+            <a:cxnLst>
+              <a:cxn ang="0">
+                <a:pos x="connsiteX0" y="connsiteY0"/>
+              </a:cxn>
+              <a:cxn ang="0">
+                <a:pos x="connsiteX1" y="connsiteY1"/>
+              </a:cxn>
+              <a:cxn ang="0">
+                <a:pos x="connsiteX2" y="connsiteY2"/>
+              </a:cxn>
+            </a:cxnLst>
+            <a:rect l="l" t="t" r="r" b="b"/>
+            <a:pathLst>
+              <a:path w="748937" h="139361">
+                <a:moveTo>
+                  <a:pt x="0" y="139361"/>
+                </a:moveTo>
+                <a:cubicBezTo>
+                  <a:pt x="150948" y="70417"/>
+                  <a:pt x="301897" y="1474"/>
+                  <a:pt x="426720" y="23"/>
+                </a:cubicBezTo>
+                <a:cubicBezTo>
+                  <a:pt x="551543" y="-1428"/>
+                  <a:pt x="650240" y="64612"/>
+                  <a:pt x="748937" y="130652"/>
+                </a:cubicBezTo>
+              </a:path>
+            </a:pathLst>
+          </a:custGeom>
+          <a:noFill/>
+          <a:ln w="12700">
+            <a:solidFill>
+              <a:schemeClr val="tx1"/>
+            </a:solidFill>
+            <a:headEnd type="none" w="med" len="med"/>
+            <a:tailEnd type="triangle" w="med" len="med"/>
+          </a:ln>
+        </p:spPr>
+        <p:style>
+          <a:lnRef idx="2">
+            <a:schemeClr val="accent1">
+              <a:shade val="50000"/>
+            </a:schemeClr>
+          </a:lnRef>
+          <a:fillRef idx="1">
+            <a:schemeClr val="accent1"/>
+          </a:fillRef>
+          <a:effectRef idx="0">
+            <a:schemeClr val="accent1"/>
+          </a:effectRef>
+          <a:fontRef idx="minor">
+            <a:schemeClr val="lt1"/>
+          </a:fontRef>
+        </p:style>
+        <p:txBody>
+          <a:bodyPr rtlCol="0" anchor="ctr"/>
+          <a:lstStyle/>
+          <a:p>
+            <a:pPr algn="ctr"/>
+            <a:endParaRPr lang="ko-KR" altLang="en-US"/>
+          </a:p>
+        </p:txBody>
+      </p:sp>
+    </p:spTree>
+    <p:extLst>
+      <p:ext uri="{BB962C8B-B14F-4D97-AF65-F5344CB8AC3E}">
+        <p14:creationId xmlns:p14="http://schemas.microsoft.com/office/powerpoint/2010/main" val="858008322"/>
+      </p:ext>
+    </p:extLst>
+  </p:cSld>
+  <p:clrMapOvr>
+    <a:masterClrMapping/>
+  </p:clrMapOvr>
+  <p:timing>
+    <p:tnLst>
+      <p:par>
+        <p:cTn id="1" dur="indefinite" restart="never" nodeType="tmRoot"/>
+      </p:par>
+    </p:tnLst>
+  </p:timing>
+</p:sld>
+</file>
+
+<file path=ppt/slides/slide15.xml><?xml version="1.0" encoding="utf-8"?>
+<p:sld xmlns:a="http://schemas.openxmlformats.org/drawingml/2006/main" xmlns:r="http://schemas.openxmlformats.org/officeDocument/2006/relationships" xmlns:p="http://schemas.openxmlformats.org/presentationml/2006/main">
+  <p:cSld>
+    <p:spTree>
+      <p:nvGrpSpPr>
+        <p:cNvPr id="1" name=""/>
+        <p:cNvGrpSpPr/>
+        <p:nvPr/>
+      </p:nvGrpSpPr>
+      <p:grpSpPr>
+        <a:xfrm>
+          <a:off x="0" y="0"/>
+          <a:ext cx="0" cy="0"/>
+          <a:chOff x="0" y="0"/>
+          <a:chExt cx="0" cy="0"/>
+        </a:xfrm>
+      </p:grpSpPr>
+      <p:sp>
+        <p:nvSpPr>
+          <p:cNvPr id="2" name="제목 1"/>
+          <p:cNvSpPr>
+            <a:spLocks noGrp="1"/>
+          </p:cNvSpPr>
+          <p:nvPr>
+            <p:ph type="title"/>
+          </p:nvPr>
+        </p:nvSpPr>
+        <p:spPr/>
+        <p:txBody>
+          <a:bodyPr/>
+          <a:lstStyle/>
+          <a:p>
+            <a:r>
+              <a:rPr lang="en-US" altLang="ko-KR" dirty="0"/>
+              <a:t> </a:t>
+            </a:r>
+            <a:r>
+              <a:rPr lang="ko-KR" altLang="en-US" dirty="0" smtClean="0"/>
+              <a:t>순차 탐색</a:t>
+            </a:r>
+            <a:endParaRPr lang="ko-KR" altLang="en-US" dirty="0"/>
+          </a:p>
+        </p:txBody>
+      </p:sp>
+      <p:sp>
+        <p:nvSpPr>
+          <p:cNvPr id="4" name="슬라이드 번호 개체 틀 3"/>
+          <p:cNvSpPr>
+            <a:spLocks noGrp="1"/>
+          </p:cNvSpPr>
+          <p:nvPr>
+            <p:ph type="sldNum" sz="quarter" idx="12"/>
+          </p:nvPr>
+        </p:nvSpPr>
+        <p:spPr/>
+        <p:txBody>
+          <a:bodyPr/>
+          <a:lstStyle/>
+          <a:p>
+            <a:fld id="{1BDE3FE7-3AEA-4B05-AC5A-802D1816ACF0}" type="slidenum">
+              <a:rPr lang="ko-KR" altLang="en-US" smtClean="0"/>
+              <a:t>15</a:t>
+            </a:fld>
+            <a:endParaRPr lang="ko-KR" altLang="en-US"/>
+          </a:p>
+        </p:txBody>
+      </p:sp>
+      <p:pic>
+        <p:nvPicPr>
+          <p:cNvPr id="20" name="그림 19"/>
+          <p:cNvPicPr>
+            <a:picLocks noChangeAspect="1"/>
+          </p:cNvPicPr>
+          <p:nvPr/>
+        </p:nvPicPr>
+        <p:blipFill>
+          <a:blip r:embed="rId2">
+            <a:extLst>
+              <a:ext uri="{28A0092B-C50C-407E-A947-70E740481C1C}">
+                <a14:useLocalDpi xmlns:a14="http://schemas.microsoft.com/office/drawing/2010/main" val="0"/>
+              </a:ext>
+            </a:extLst>
+          </a:blip>
+          <a:stretch>
+            <a:fillRect/>
+          </a:stretch>
+        </p:blipFill>
+        <p:spPr>
+          <a:xfrm>
+            <a:off x="1208583" y="1772816"/>
+            <a:ext cx="2736305" cy="1402644"/>
+          </a:xfrm>
+          <a:prstGeom prst="rect">
+            <a:avLst/>
+          </a:prstGeom>
+          <a:ln>
+            <a:solidFill>
+              <a:schemeClr val="bg1">
+                <a:lumMod val="85000"/>
+              </a:schemeClr>
+            </a:solidFill>
+          </a:ln>
+        </p:spPr>
+      </p:pic>
+      <p:pic>
+        <p:nvPicPr>
+          <p:cNvPr id="22" name="그림 21"/>
+          <p:cNvPicPr>
+            <a:picLocks noChangeAspect="1"/>
+          </p:cNvPicPr>
+          <p:nvPr/>
+        </p:nvPicPr>
+        <p:blipFill>
+          <a:blip r:embed="rId3">
+            <a:extLst>
+              <a:ext uri="{28A0092B-C50C-407E-A947-70E740481C1C}">
+                <a14:useLocalDpi xmlns:a14="http://schemas.microsoft.com/office/drawing/2010/main" val="0"/>
+              </a:ext>
+            </a:extLst>
+          </a:blip>
+          <a:stretch>
+            <a:fillRect/>
+          </a:stretch>
+        </p:blipFill>
+        <p:spPr>
+          <a:xfrm>
+            <a:off x="4232920" y="1772816"/>
+            <a:ext cx="5006774" cy="3665538"/>
+          </a:xfrm>
+          <a:prstGeom prst="rect">
+            <a:avLst/>
+          </a:prstGeom>
+          <a:ln>
+            <a:solidFill>
+              <a:schemeClr val="bg1">
+                <a:lumMod val="85000"/>
+              </a:schemeClr>
+            </a:solidFill>
+          </a:ln>
+        </p:spPr>
+      </p:pic>
+    </p:spTree>
+    <p:extLst>
+      <p:ext uri="{BB962C8B-B14F-4D97-AF65-F5344CB8AC3E}">
+        <p14:creationId xmlns:p14="http://schemas.microsoft.com/office/powerpoint/2010/main" val="2621123329"/>
+      </p:ext>
+    </p:extLst>
+  </p:cSld>
+  <p:clrMapOvr>
+    <a:masterClrMapping/>
+  </p:clrMapOvr>
+  <p:timing>
+    <p:tnLst>
+      <p:par>
+        <p:cTn id="1" dur="indefinite" restart="never" nodeType="tmRoot"/>
+      </p:par>
+    </p:tnLst>
+  </p:timing>
+</p:sld>
+</file>
+
+<file path=ppt/slides/slide16.xml><?xml version="1.0" encoding="utf-8"?>
+<p:sld xmlns:a="http://schemas.openxmlformats.org/drawingml/2006/main" xmlns:r="http://schemas.openxmlformats.org/officeDocument/2006/relationships" xmlns:p="http://schemas.openxmlformats.org/presentationml/2006/main">
+  <p:cSld>
+    <p:spTree>
+      <p:nvGrpSpPr>
+        <p:cNvPr id="1" name=""/>
+        <p:cNvGrpSpPr/>
+        <p:nvPr/>
+      </p:nvGrpSpPr>
+      <p:grpSpPr>
+        <a:xfrm>
+          <a:off x="0" y="0"/>
+          <a:ext cx="0" cy="0"/>
+          <a:chOff x="0" y="0"/>
+          <a:chExt cx="0" cy="0"/>
+        </a:xfrm>
+      </p:grpSpPr>
+      <p:sp>
+        <p:nvSpPr>
+          <p:cNvPr id="2" name="제목 1"/>
+          <p:cNvSpPr>
+            <a:spLocks noGrp="1"/>
+          </p:cNvSpPr>
+          <p:nvPr>
+            <p:ph type="title"/>
+          </p:nvPr>
+        </p:nvSpPr>
+        <p:spPr/>
+        <p:txBody>
+          <a:bodyPr/>
+          <a:lstStyle/>
+          <a:p>
+            <a:r>
+              <a:rPr lang="en-US" altLang="ko-KR" dirty="0"/>
+              <a:t> </a:t>
+            </a:r>
+            <a:r>
+              <a:rPr lang="ko-KR" altLang="en-US" dirty="0" smtClean="0"/>
+              <a:t>순차 탐색</a:t>
+            </a:r>
+            <a:endParaRPr lang="ko-KR" altLang="en-US" dirty="0"/>
+          </a:p>
+        </p:txBody>
+      </p:sp>
+      <p:sp>
+        <p:nvSpPr>
+          <p:cNvPr id="4" name="슬라이드 번호 개체 틀 3"/>
+          <p:cNvSpPr>
+            <a:spLocks noGrp="1"/>
+          </p:cNvSpPr>
+          <p:nvPr>
+            <p:ph type="sldNum" sz="quarter" idx="12"/>
+          </p:nvPr>
+        </p:nvSpPr>
+        <p:spPr/>
+        <p:txBody>
+          <a:bodyPr/>
+          <a:lstStyle/>
+          <a:p>
+            <a:fld id="{1BDE3FE7-3AEA-4B05-AC5A-802D1816ACF0}" type="slidenum">
+              <a:rPr lang="ko-KR" altLang="en-US" smtClean="0"/>
+              <a:t>16</a:t>
+            </a:fld>
+            <a:endParaRPr lang="ko-KR" altLang="en-US"/>
+          </a:p>
+        </p:txBody>
+      </p:sp>
+      <p:sp>
+        <p:nvSpPr>
+          <p:cNvPr id="3" name="TextBox 2"/>
+          <p:cNvSpPr txBox="1"/>
+          <p:nvPr/>
+        </p:nvSpPr>
+        <p:spPr>
+          <a:xfrm>
+            <a:off x="776536" y="1484784"/>
+            <a:ext cx="8136904" cy="1892826"/>
+          </a:xfrm>
+          <a:prstGeom prst="rect">
+            <a:avLst/>
+          </a:prstGeom>
+          <a:noFill/>
+        </p:spPr>
+        <p:txBody>
+          <a:bodyPr wrap="square" rtlCol="0">
+            <a:spAutoFit/>
+          </a:bodyPr>
+          <a:lstStyle/>
+          <a:p>
+            <a:pPr marL="285750" indent="-285750">
+              <a:buFont typeface="Wingdings" panose="05000000000000000000" pitchFamily="2" charset="2"/>
+              <a:buChar char="Ø"/>
+            </a:pPr>
+            <a:r>
+              <a:rPr lang="ko-KR" altLang="en-US" dirty="0" smtClean="0"/>
+              <a:t>연습 문제 </a:t>
+            </a:r>
+            <a:r>
+              <a:rPr lang="en-US" altLang="ko-KR" dirty="0" smtClean="0"/>
+              <a:t>1</a:t>
+            </a:r>
+          </a:p>
+          <a:p>
+            <a:endParaRPr lang="ko-KR" altLang="en-US" dirty="0" smtClean="0"/>
+          </a:p>
+          <a:p>
+            <a:pPr lvl="1">
+              <a:lnSpc>
+                <a:spcPct val="150000"/>
+              </a:lnSpc>
+            </a:pPr>
+            <a:r>
+              <a:rPr lang="ko-KR" altLang="en-US" dirty="0" smtClean="0">
+                <a:solidFill>
+                  <a:srgbClr val="0070C0"/>
+                </a:solidFill>
+              </a:rPr>
+              <a:t>리스트에 찾는 값이 여러 개 있더라도 첫 번째 위치만 결과로 돌려준다</a:t>
+            </a:r>
+            <a:r>
+              <a:rPr lang="en-US" altLang="ko-KR" dirty="0" smtClean="0">
+                <a:solidFill>
+                  <a:srgbClr val="0070C0"/>
+                </a:solidFill>
+              </a:rPr>
+              <a:t>.</a:t>
+            </a:r>
+          </a:p>
+          <a:p>
+            <a:pPr lvl="1">
+              <a:lnSpc>
+                <a:spcPct val="150000"/>
+              </a:lnSpc>
+            </a:pPr>
+            <a:r>
+              <a:rPr lang="ko-KR" altLang="en-US" dirty="0" smtClean="0">
+                <a:solidFill>
+                  <a:srgbClr val="0070C0"/>
+                </a:solidFill>
+              </a:rPr>
+              <a:t>찾는 값이 나오는 모든 위치를 리스트로 돌려주는 탐색 알고리즘을 만들어 보세요</a:t>
+            </a:r>
+            <a:r>
+              <a:rPr lang="en-US" altLang="ko-KR" dirty="0" smtClean="0">
+                <a:solidFill>
+                  <a:srgbClr val="0070C0"/>
+                </a:solidFill>
+              </a:rPr>
+              <a:t>.</a:t>
+            </a:r>
+            <a:endParaRPr lang="ko-KR" altLang="en-US" dirty="0">
+              <a:solidFill>
+                <a:srgbClr val="0070C0"/>
+              </a:solidFill>
+            </a:endParaRPr>
+          </a:p>
+        </p:txBody>
+      </p:sp>
+    </p:spTree>
+    <p:extLst>
+      <p:ext uri="{BB962C8B-B14F-4D97-AF65-F5344CB8AC3E}">
+        <p14:creationId xmlns:p14="http://schemas.microsoft.com/office/powerpoint/2010/main" val="2960699556"/>
+      </p:ext>
+    </p:extLst>
+  </p:cSld>
+  <p:clrMapOvr>
+    <a:masterClrMapping/>
+  </p:clrMapOvr>
+  <p:timing>
+    <p:tnLst>
+      <p:par>
+        <p:cTn id="1" dur="indefinite" restart="never" nodeType="tmRoot"/>
+      </p:par>
+    </p:tnLst>
+  </p:timing>
+</p:sld>
+</file>
+
+<file path=ppt/slides/slide17.xml><?xml version="1.0" encoding="utf-8"?>
+<p:sld xmlns:a="http://schemas.openxmlformats.org/drawingml/2006/main" xmlns:r="http://schemas.openxmlformats.org/officeDocument/2006/relationships" xmlns:p="http://schemas.openxmlformats.org/presentationml/2006/main">
+  <p:cSld>
+    <p:spTree>
+      <p:nvGrpSpPr>
+        <p:cNvPr id="1" name=""/>
+        <p:cNvGrpSpPr/>
+        <p:nvPr/>
+      </p:nvGrpSpPr>
+      <p:grpSpPr>
+        <a:xfrm>
+          <a:off x="0" y="0"/>
+          <a:ext cx="0" cy="0"/>
+          <a:chOff x="0" y="0"/>
+          <a:chExt cx="0" cy="0"/>
+        </a:xfrm>
+      </p:grpSpPr>
+      <p:sp>
+        <p:nvSpPr>
+          <p:cNvPr id="2" name="제목 1"/>
+          <p:cNvSpPr>
+            <a:spLocks noGrp="1"/>
+          </p:cNvSpPr>
+          <p:nvPr>
+            <p:ph type="title"/>
+          </p:nvPr>
+        </p:nvSpPr>
+        <p:spPr/>
+        <p:txBody>
+          <a:bodyPr/>
+          <a:lstStyle/>
+          <a:p>
+            <a:r>
+              <a:rPr lang="en-US" altLang="ko-KR" dirty="0"/>
+              <a:t> </a:t>
+            </a:r>
+            <a:r>
+              <a:rPr lang="ko-KR" altLang="en-US" dirty="0" smtClean="0"/>
+              <a:t>순차 탐색</a:t>
+            </a:r>
+            <a:endParaRPr lang="ko-KR" altLang="en-US" dirty="0"/>
+          </a:p>
+        </p:txBody>
+      </p:sp>
+      <p:sp>
+        <p:nvSpPr>
+          <p:cNvPr id="4" name="슬라이드 번호 개체 틀 3"/>
+          <p:cNvSpPr>
+            <a:spLocks noGrp="1"/>
+          </p:cNvSpPr>
+          <p:nvPr>
+            <p:ph type="sldNum" sz="quarter" idx="12"/>
+          </p:nvPr>
+        </p:nvSpPr>
+        <p:spPr/>
+        <p:txBody>
+          <a:bodyPr/>
+          <a:lstStyle/>
+          <a:p>
+            <a:fld id="{1BDE3FE7-3AEA-4B05-AC5A-802D1816ACF0}" type="slidenum">
+              <a:rPr lang="ko-KR" altLang="en-US" smtClean="0"/>
+              <a:t>17</a:t>
+            </a:fld>
+            <a:endParaRPr lang="ko-KR" altLang="en-US"/>
+          </a:p>
+        </p:txBody>
+      </p:sp>
+      <p:sp>
+        <p:nvSpPr>
+          <p:cNvPr id="3" name="TextBox 2"/>
+          <p:cNvSpPr txBox="1"/>
+          <p:nvPr/>
+        </p:nvSpPr>
+        <p:spPr>
+          <a:xfrm>
+            <a:off x="776536" y="1484784"/>
+            <a:ext cx="8136904" cy="2308324"/>
+          </a:xfrm>
+          <a:prstGeom prst="rect">
+            <a:avLst/>
+          </a:prstGeom>
+          <a:noFill/>
+        </p:spPr>
+        <p:txBody>
+          <a:bodyPr wrap="square" rtlCol="0">
+            <a:spAutoFit/>
+          </a:bodyPr>
+          <a:lstStyle/>
+          <a:p>
+            <a:pPr marL="285750" indent="-285750">
+              <a:buFont typeface="Wingdings" panose="05000000000000000000" pitchFamily="2" charset="2"/>
+              <a:buChar char="Ø"/>
+            </a:pPr>
+            <a:r>
+              <a:rPr lang="ko-KR" altLang="en-US" dirty="0" smtClean="0"/>
+              <a:t>연습 문제 </a:t>
+            </a:r>
+            <a:r>
+              <a:rPr lang="en-US" altLang="ko-KR" dirty="0" smtClean="0"/>
+              <a:t>2</a:t>
+            </a:r>
+          </a:p>
+          <a:p>
+            <a:endParaRPr lang="ko-KR" altLang="en-US" dirty="0" smtClean="0"/>
+          </a:p>
+          <a:p>
+            <a:pPr lvl="1">
+              <a:lnSpc>
+                <a:spcPct val="150000"/>
+              </a:lnSpc>
+            </a:pPr>
+            <a:r>
+              <a:rPr lang="ko-KR" altLang="en-US" dirty="0" smtClean="0">
+                <a:solidFill>
+                  <a:srgbClr val="0070C0"/>
+                </a:solidFill>
+              </a:rPr>
+              <a:t>다음과 같이 학생 번호와 이름이 리스트로 주어졌을 때 학생 번호를 입력하면 학생 번호에 해당하는 이름을 순차 탐색으로 찾아 돌려주는 함수를 만들어 보세요</a:t>
+            </a:r>
+            <a:endParaRPr lang="en-US" altLang="ko-KR" dirty="0" smtClean="0">
+              <a:solidFill>
+                <a:srgbClr val="0070C0"/>
+              </a:solidFill>
+            </a:endParaRPr>
+          </a:p>
+          <a:p>
+            <a:pPr lvl="1">
+              <a:lnSpc>
+                <a:spcPct val="150000"/>
+              </a:lnSpc>
+            </a:pPr>
+            <a:r>
+              <a:rPr lang="en-US" altLang="ko-KR" dirty="0" smtClean="0">
+                <a:solidFill>
+                  <a:srgbClr val="0070C0"/>
+                </a:solidFill>
+              </a:rPr>
+              <a:t>(</a:t>
+            </a:r>
+            <a:r>
+              <a:rPr lang="ko-KR" altLang="en-US" dirty="0" smtClean="0">
+                <a:solidFill>
+                  <a:srgbClr val="0070C0"/>
+                </a:solidFill>
+              </a:rPr>
+              <a:t>단</a:t>
+            </a:r>
+            <a:r>
+              <a:rPr lang="en-US" altLang="ko-KR" dirty="0" smtClean="0">
+                <a:solidFill>
+                  <a:srgbClr val="0070C0"/>
+                </a:solidFill>
+              </a:rPr>
+              <a:t>, </a:t>
+            </a:r>
+            <a:r>
+              <a:rPr lang="ko-KR" altLang="en-US" dirty="0" smtClean="0">
+                <a:solidFill>
+                  <a:srgbClr val="0070C0"/>
+                </a:solidFill>
+              </a:rPr>
+              <a:t>학생 번호가 없으면 물음표</a:t>
+            </a:r>
+            <a:r>
+              <a:rPr lang="en-US" altLang="ko-KR" dirty="0" smtClean="0">
+                <a:solidFill>
+                  <a:srgbClr val="0070C0"/>
+                </a:solidFill>
+              </a:rPr>
+              <a:t>(‘?’)</a:t>
+            </a:r>
+            <a:r>
+              <a:rPr lang="ko-KR" altLang="en-US" dirty="0" smtClean="0">
+                <a:solidFill>
+                  <a:srgbClr val="0070C0"/>
+                </a:solidFill>
+              </a:rPr>
+              <a:t>를 반환함</a:t>
+            </a:r>
+            <a:r>
+              <a:rPr lang="en-US" altLang="ko-KR" dirty="0" smtClean="0">
+                <a:solidFill>
+                  <a:srgbClr val="0070C0"/>
+                </a:solidFill>
+              </a:rPr>
+              <a:t>)</a:t>
+            </a:r>
+            <a:endParaRPr lang="ko-KR" altLang="en-US" dirty="0">
+              <a:solidFill>
+                <a:srgbClr val="0070C0"/>
+              </a:solidFill>
+            </a:endParaRPr>
+          </a:p>
+        </p:txBody>
+      </p:sp>
+      <p:pic>
+        <p:nvPicPr>
+          <p:cNvPr id="5" name="그림 4"/>
+          <p:cNvPicPr>
+            <a:picLocks noChangeAspect="1"/>
+          </p:cNvPicPr>
+          <p:nvPr/>
+        </p:nvPicPr>
+        <p:blipFill>
+          <a:blip r:embed="rId2">
+            <a:extLst>
+              <a:ext uri="{28A0092B-C50C-407E-A947-70E740481C1C}">
+                <a14:useLocalDpi xmlns:a14="http://schemas.microsoft.com/office/drawing/2010/main" val="0"/>
+              </a:ext>
+            </a:extLst>
+          </a:blip>
+          <a:stretch>
+            <a:fillRect/>
+          </a:stretch>
+        </p:blipFill>
+        <p:spPr>
+          <a:xfrm>
+            <a:off x="1424608" y="4225156"/>
+            <a:ext cx="6462320" cy="1196444"/>
+          </a:xfrm>
+          <a:prstGeom prst="rect">
+            <a:avLst/>
+          </a:prstGeom>
+          <a:ln>
+            <a:solidFill>
+              <a:schemeClr val="bg1">
+                <a:lumMod val="85000"/>
+              </a:schemeClr>
+            </a:solidFill>
+          </a:ln>
+        </p:spPr>
+      </p:pic>
+    </p:spTree>
+    <p:extLst>
+      <p:ext uri="{BB962C8B-B14F-4D97-AF65-F5344CB8AC3E}">
+        <p14:creationId xmlns:p14="http://schemas.microsoft.com/office/powerpoint/2010/main" val="1281901408"/>
       </p:ext>
     </p:extLst>
   </p:cSld>

--- a/python_ppt/Python 알고리즘.pptx
+++ b/python_ppt/Python 알고리즘.pptx
@@ -5,7 +5,7 @@
     <p:sldMasterId id="2147483648" r:id="rId1"/>
   </p:sldMasterIdLst>
   <p:notesMasterIdLst>
-    <p:notesMasterId r:id="rId19"/>
+    <p:notesMasterId r:id="rId22"/>
   </p:notesMasterIdLst>
   <p:sldIdLst>
     <p:sldId id="256" r:id="rId2"/>
@@ -25,6 +25,9 @@
     <p:sldId id="417" r:id="rId16"/>
     <p:sldId id="418" r:id="rId17"/>
     <p:sldId id="419" r:id="rId18"/>
+    <p:sldId id="420" r:id="rId19"/>
+    <p:sldId id="421" r:id="rId20"/>
+    <p:sldId id="422" r:id="rId21"/>
   </p:sldIdLst>
   <p:sldSz cx="9906000" cy="6858000" type="A4"/>
   <p:notesSz cx="6858000" cy="9144000"/>
@@ -224,7 +227,7 @@
           <a:p>
             <a:fld id="{7665CDAC-D627-4E87-877A-1B781DD4CADC}" type="datetimeFigureOut">
               <a:rPr lang="ko-KR" altLang="en-US" smtClean="0"/>
-              <a:t>2023-05-16</a:t>
+              <a:t>2023-05-18</a:t>
             </a:fld>
             <a:endParaRPr lang="ko-KR" altLang="en-US"/>
           </a:p>
@@ -636,7 +639,7 @@
           <a:p>
             <a:fld id="{C25BCFD5-C4DF-4EBC-B718-C69ED2FBDE6F}" type="datetime1">
               <a:rPr lang="ko-KR" altLang="en-US" smtClean="0"/>
-              <a:t>2023-05-16</a:t>
+              <a:t>2023-05-18</a:t>
             </a:fld>
             <a:endParaRPr lang="ko-KR" altLang="en-US"/>
           </a:p>
@@ -1087,7 +1090,7 @@
           <a:p>
             <a:fld id="{AB448CD7-D367-43D5-B461-ACE552E75063}" type="datetime1">
               <a:rPr lang="ko-KR" altLang="en-US" smtClean="0"/>
-              <a:t>2023-05-16</a:t>
+              <a:t>2023-05-18</a:t>
             </a:fld>
             <a:endParaRPr lang="ko-KR" altLang="en-US"/>
           </a:p>
@@ -1265,7 +1268,7 @@
           <a:p>
             <a:fld id="{B6E49E79-7361-4780-8BEF-7EDE3708298A}" type="datetime1">
               <a:rPr lang="ko-KR" altLang="en-US" smtClean="0"/>
-              <a:t>2023-05-16</a:t>
+              <a:t>2023-05-18</a:t>
             </a:fld>
             <a:endParaRPr lang="ko-KR" altLang="en-US"/>
           </a:p>
@@ -1437,7 +1440,7 @@
           <a:p>
             <a:fld id="{A4D42E3C-B70B-437C-85CF-1286301B9CBA}" type="datetime1">
               <a:rPr lang="ko-KR" altLang="en-US" smtClean="0"/>
-              <a:t>2023-05-16</a:t>
+              <a:t>2023-05-18</a:t>
             </a:fld>
             <a:endParaRPr lang="ko-KR" altLang="en-US"/>
           </a:p>
@@ -1689,7 +1692,7 @@
           <a:p>
             <a:fld id="{B3369A20-5B3D-4D98-A822-26B93D177A40}" type="datetime1">
               <a:rPr lang="ko-KR" altLang="en-US" smtClean="0"/>
-              <a:t>2023-05-16</a:t>
+              <a:t>2023-05-18</a:t>
             </a:fld>
             <a:endParaRPr lang="ko-KR" altLang="en-US"/>
           </a:p>
@@ -1974,7 +1977,7 @@
           <a:p>
             <a:fld id="{685CD4CE-9E43-4F70-A9D8-A2130CA7D92A}" type="datetime1">
               <a:rPr lang="ko-KR" altLang="en-US" smtClean="0"/>
-              <a:t>2023-05-16</a:t>
+              <a:t>2023-05-18</a:t>
             </a:fld>
             <a:endParaRPr lang="ko-KR" altLang="en-US"/>
           </a:p>
@@ -2400,7 +2403,7 @@
           <a:p>
             <a:fld id="{F752BD92-DA3E-4A0B-90C9-7DE5E15B6E96}" type="datetime1">
               <a:rPr lang="ko-KR" altLang="en-US" smtClean="0"/>
-              <a:t>2023-05-16</a:t>
+              <a:t>2023-05-18</a:t>
             </a:fld>
             <a:endParaRPr lang="ko-KR" altLang="en-US"/>
           </a:p>
@@ -2524,7 +2527,7 @@
           <a:p>
             <a:fld id="{8EA2B83A-F366-424E-B742-340ACF856BB5}" type="datetime1">
               <a:rPr lang="ko-KR" altLang="en-US" smtClean="0"/>
-              <a:t>2023-05-16</a:t>
+              <a:t>2023-05-18</a:t>
             </a:fld>
             <a:endParaRPr lang="ko-KR" altLang="en-US"/>
           </a:p>
@@ -2619,7 +2622,7 @@
           <a:p>
             <a:fld id="{9A49D68B-5DBD-48E9-A8D4-FCBC4B3DD9C6}" type="datetime1">
               <a:rPr lang="ko-KR" altLang="en-US" smtClean="0"/>
-              <a:t>2023-05-16</a:t>
+              <a:t>2023-05-18</a:t>
             </a:fld>
             <a:endParaRPr lang="ko-KR" altLang="en-US"/>
           </a:p>
@@ -2894,7 +2897,7 @@
           <a:p>
             <a:fld id="{4CAB534F-7D16-467B-9320-91F98915D181}" type="datetime1">
               <a:rPr lang="ko-KR" altLang="en-US" smtClean="0"/>
-              <a:t>2023-05-16</a:t>
+              <a:t>2023-05-18</a:t>
             </a:fld>
             <a:endParaRPr lang="ko-KR" altLang="en-US"/>
           </a:p>
@@ -3146,7 +3149,7 @@
           <a:p>
             <a:fld id="{A390A91F-2F8D-4486-A69D-D680F95444B0}" type="datetime1">
               <a:rPr lang="ko-KR" altLang="en-US" smtClean="0"/>
-              <a:t>2023-05-16</a:t>
+              <a:t>2023-05-18</a:t>
             </a:fld>
             <a:endParaRPr lang="ko-KR" altLang="en-US"/>
           </a:p>
@@ -3325,7 +3328,7 @@
           <a:p>
             <a:fld id="{2238BBEA-E8DD-414A-BF68-FC2AFA7CFF2D}" type="datetime1">
               <a:rPr lang="ko-KR" altLang="en-US" smtClean="0"/>
-              <a:t>2023-05-16</a:t>
+              <a:t>2023-05-18</a:t>
             </a:fld>
             <a:endParaRPr lang="ko-KR" altLang="en-US"/>
           </a:p>
@@ -6343,8 +6346,8 @@
         </p:nvSpPr>
         <p:spPr>
           <a:xfrm>
-            <a:off x="776536" y="1484784"/>
-            <a:ext cx="8136904" cy="1892826"/>
+            <a:off x="776536" y="1340768"/>
+            <a:ext cx="8136904" cy="2631490"/>
           </a:xfrm>
           <a:prstGeom prst="rect">
             <a:avLst/>
@@ -6358,20 +6361,44 @@
           <a:lstStyle/>
           <a:p>
             <a:pPr marL="285750" indent="-285750">
+              <a:lnSpc>
+                <a:spcPct val="150000"/>
+              </a:lnSpc>
               <a:buFont typeface="Wingdings" panose="05000000000000000000" pitchFamily="2" charset="2"/>
               <a:buChar char="Ø"/>
             </a:pPr>
             <a:r>
+              <a:rPr lang="ko-KR" altLang="en-US" sz="2000" b="1" dirty="0" err="1" smtClean="0"/>
+              <a:t>순차탐색</a:t>
+            </a:r>
+            <a:endParaRPr lang="en-US" altLang="ko-KR" sz="2000" b="1" dirty="0" smtClean="0"/>
+          </a:p>
+          <a:p>
+            <a:pPr>
+              <a:lnSpc>
+                <a:spcPct val="150000"/>
+              </a:lnSpc>
+            </a:pPr>
+            <a:r>
+              <a:rPr lang="en-US" altLang="ko-KR" dirty="0"/>
+              <a:t> </a:t>
+            </a:r>
+            <a:r>
+              <a:rPr lang="en-US" altLang="ko-KR" dirty="0" smtClean="0"/>
+              <a:t>     </a:t>
+            </a:r>
+            <a:r>
               <a:rPr lang="ko-KR" altLang="en-US" dirty="0" smtClean="0"/>
-              <a:t>주어진 리스트에 특정한 값이 있는지 찾아 그 위치를 돌려주는 알고리즘</a:t>
-            </a:r>
-            <a:endParaRPr lang="en-US" altLang="ko-KR" dirty="0" smtClean="0"/>
-          </a:p>
-          <a:p>
-            <a:pPr marL="285750" indent="-285750">
-              <a:buFont typeface="Wingdings" panose="05000000000000000000" pitchFamily="2" charset="2"/>
-              <a:buChar char="Ø"/>
-            </a:pPr>
+              <a:t>주어진 </a:t>
+            </a:r>
+            <a:r>
+              <a:rPr lang="ko-KR" altLang="en-US" dirty="0" smtClean="0"/>
+              <a:t>리스트에 특정한 값이 있는지 찾아 그 위치를 돌려주는 </a:t>
+            </a:r>
+            <a:r>
+              <a:rPr lang="ko-KR" altLang="en-US" dirty="0" smtClean="0"/>
+              <a:t>알고리즘</a:t>
+            </a:r>
             <a:endParaRPr lang="en-US" altLang="ko-KR" dirty="0"/>
           </a:p>
           <a:p>
@@ -6380,13 +6407,33 @@
                 <a:spcPct val="150000"/>
               </a:lnSpc>
             </a:pPr>
+            <a:endParaRPr lang="en-US" altLang="ko-KR" dirty="0">
+              <a:solidFill>
+                <a:srgbClr val="0070C0"/>
+              </a:solidFill>
+            </a:endParaRPr>
+          </a:p>
+          <a:p>
+            <a:pPr lvl="1">
+              <a:lnSpc>
+                <a:spcPct val="150000"/>
+              </a:lnSpc>
+            </a:pPr>
             <a:r>
               <a:rPr lang="ko-KR" altLang="en-US" dirty="0" smtClean="0">
                 <a:solidFill>
                   <a:srgbClr val="0070C0"/>
                 </a:solidFill>
               </a:rPr>
-              <a:t>리스트에 있는 첫번째 자료부터 하나씩 비교하면서 같은 값이 나오면 그 위치를 돌려주고</a:t>
+              <a:t>리스트에 </a:t>
+            </a:r>
+            <a:r>
+              <a:rPr lang="ko-KR" altLang="en-US" dirty="0" smtClean="0">
+                <a:solidFill>
+                  <a:srgbClr val="0070C0"/>
+                </a:solidFill>
+              </a:rPr>
+              <a:t>있는 첫번째 자료부터 하나씩 비교하면서 같은 값이 나오면 그 위치를 돌려주고</a:t>
             </a:r>
             <a:r>
               <a:rPr lang="en-US" altLang="ko-KR" dirty="0" smtClean="0">
@@ -6452,7 +6499,7 @@
         </p:nvGrpSpPr>
         <p:grpSpPr>
           <a:xfrm>
-            <a:off x="3012854" y="4350331"/>
+            <a:off x="3012854" y="4638363"/>
             <a:ext cx="3812354" cy="1094893"/>
             <a:chOff x="2360712" y="4566355"/>
             <a:chExt cx="3812354" cy="1094893"/>
@@ -7036,7 +7083,7 @@
         </p:nvSpPr>
         <p:spPr>
           <a:xfrm>
-            <a:off x="2299817" y="3904439"/>
+            <a:off x="2299817" y="4192471"/>
             <a:ext cx="1001069" cy="388658"/>
           </a:xfrm>
           <a:custGeom>
@@ -7122,7 +7169,7 @@
         </p:nvSpPr>
         <p:spPr>
           <a:xfrm>
-            <a:off x="2936776" y="3573016"/>
+            <a:off x="2936776" y="3861048"/>
             <a:ext cx="559288" cy="338554"/>
           </a:xfrm>
           <a:prstGeom prst="rect">
@@ -7151,7 +7198,7 @@
         </p:nvSpPr>
         <p:spPr>
           <a:xfrm>
-            <a:off x="3691838" y="3573016"/>
+            <a:off x="3691838" y="3861048"/>
             <a:ext cx="559288" cy="338554"/>
           </a:xfrm>
           <a:prstGeom prst="rect">
@@ -7180,7 +7227,7 @@
         </p:nvSpPr>
         <p:spPr>
           <a:xfrm>
-            <a:off x="5016792" y="3603185"/>
+            <a:off x="5016792" y="3891217"/>
             <a:ext cx="559288" cy="307777"/>
           </a:xfrm>
           <a:prstGeom prst="rect">
@@ -7210,7 +7257,7 @@
         </p:nvSpPr>
         <p:spPr>
           <a:xfrm>
-            <a:off x="3212548" y="3860306"/>
+            <a:off x="3212548" y="4148338"/>
             <a:ext cx="801375" cy="432789"/>
           </a:xfrm>
           <a:custGeom>
@@ -7296,7 +7343,7 @@
         </p:nvSpPr>
         <p:spPr>
           <a:xfrm>
-            <a:off x="3888780" y="3888923"/>
+            <a:off x="3888780" y="4176955"/>
             <a:ext cx="801375" cy="432789"/>
           </a:xfrm>
           <a:custGeom>
@@ -7382,7 +7429,7 @@
         </p:nvSpPr>
         <p:spPr>
           <a:xfrm>
-            <a:off x="4318309" y="3573016"/>
+            <a:off x="4318309" y="3861048"/>
             <a:ext cx="559288" cy="338554"/>
           </a:xfrm>
           <a:prstGeom prst="rect">
@@ -7411,7 +7458,7 @@
         </p:nvSpPr>
         <p:spPr>
           <a:xfrm>
-            <a:off x="4570467" y="3882373"/>
+            <a:off x="4570467" y="4170405"/>
             <a:ext cx="801375" cy="432789"/>
           </a:xfrm>
           <a:custGeom>
@@ -8100,6 +8147,1476 @@
 </p:sld>
 </file>
 
+<file path=ppt/slides/slide18.xml><?xml version="1.0" encoding="utf-8"?>
+<p:sld xmlns:a="http://schemas.openxmlformats.org/drawingml/2006/main" xmlns:r="http://schemas.openxmlformats.org/officeDocument/2006/relationships" xmlns:p="http://schemas.openxmlformats.org/presentationml/2006/main">
+  <p:cSld>
+    <p:spTree>
+      <p:nvGrpSpPr>
+        <p:cNvPr id="1" name=""/>
+        <p:cNvGrpSpPr/>
+        <p:nvPr/>
+      </p:nvGrpSpPr>
+      <p:grpSpPr>
+        <a:xfrm>
+          <a:off x="0" y="0"/>
+          <a:ext cx="0" cy="0"/>
+          <a:chOff x="0" y="0"/>
+          <a:chExt cx="0" cy="0"/>
+        </a:xfrm>
+      </p:grpSpPr>
+      <p:sp>
+        <p:nvSpPr>
+          <p:cNvPr id="2" name="제목 1"/>
+          <p:cNvSpPr>
+            <a:spLocks noGrp="1"/>
+          </p:cNvSpPr>
+          <p:nvPr>
+            <p:ph type="title"/>
+          </p:nvPr>
+        </p:nvSpPr>
+        <p:spPr/>
+        <p:txBody>
+          <a:bodyPr/>
+          <a:lstStyle/>
+          <a:p>
+            <a:r>
+              <a:rPr lang="en-US" altLang="ko-KR" dirty="0"/>
+              <a:t> </a:t>
+            </a:r>
+            <a:r>
+              <a:rPr lang="ko-KR" altLang="en-US" dirty="0" smtClean="0"/>
+              <a:t>이분</a:t>
+            </a:r>
+            <a:r>
+              <a:rPr lang="ko-KR" altLang="en-US" dirty="0" smtClean="0"/>
+              <a:t> </a:t>
+            </a:r>
+            <a:r>
+              <a:rPr lang="ko-KR" altLang="en-US" dirty="0" smtClean="0"/>
+              <a:t>탐색</a:t>
+            </a:r>
+            <a:endParaRPr lang="ko-KR" altLang="en-US" dirty="0"/>
+          </a:p>
+        </p:txBody>
+      </p:sp>
+      <p:sp>
+        <p:nvSpPr>
+          <p:cNvPr id="4" name="슬라이드 번호 개체 틀 3"/>
+          <p:cNvSpPr>
+            <a:spLocks noGrp="1"/>
+          </p:cNvSpPr>
+          <p:nvPr>
+            <p:ph type="sldNum" sz="quarter" idx="12"/>
+          </p:nvPr>
+        </p:nvSpPr>
+        <p:spPr/>
+        <p:txBody>
+          <a:bodyPr/>
+          <a:lstStyle/>
+          <a:p>
+            <a:fld id="{1BDE3FE7-3AEA-4B05-AC5A-802D1816ACF0}" type="slidenum">
+              <a:rPr lang="ko-KR" altLang="en-US" smtClean="0"/>
+              <a:t>18</a:t>
+            </a:fld>
+            <a:endParaRPr lang="ko-KR" altLang="en-US"/>
+          </a:p>
+        </p:txBody>
+      </p:sp>
+      <p:sp>
+        <p:nvSpPr>
+          <p:cNvPr id="3" name="TextBox 2"/>
+          <p:cNvSpPr txBox="1"/>
+          <p:nvPr/>
+        </p:nvSpPr>
+        <p:spPr>
+          <a:xfrm>
+            <a:off x="776536" y="1268760"/>
+            <a:ext cx="8352928" cy="1384995"/>
+          </a:xfrm>
+          <a:prstGeom prst="rect">
+            <a:avLst/>
+          </a:prstGeom>
+          <a:noFill/>
+        </p:spPr>
+        <p:txBody>
+          <a:bodyPr wrap="square" rtlCol="0">
+            <a:spAutoFit/>
+          </a:bodyPr>
+          <a:lstStyle/>
+          <a:p>
+            <a:pPr marL="285750" indent="-285750">
+              <a:lnSpc>
+                <a:spcPct val="150000"/>
+              </a:lnSpc>
+              <a:buFont typeface="Wingdings" panose="05000000000000000000" pitchFamily="2" charset="2"/>
+              <a:buChar char="Ø"/>
+            </a:pPr>
+            <a:r>
+              <a:rPr lang="ko-KR" altLang="en-US" sz="2000" b="1" dirty="0" smtClean="0"/>
+              <a:t>이분 탐색</a:t>
+            </a:r>
+            <a:endParaRPr lang="en-US" altLang="ko-KR" sz="2000" b="1" dirty="0" smtClean="0"/>
+          </a:p>
+          <a:p>
+            <a:pPr>
+              <a:lnSpc>
+                <a:spcPct val="150000"/>
+              </a:lnSpc>
+            </a:pPr>
+            <a:r>
+              <a:rPr lang="en-US" altLang="ko-KR" dirty="0" smtClean="0"/>
+              <a:t>    </a:t>
+            </a:r>
+            <a:r>
+              <a:rPr lang="ko-KR" altLang="en-US" dirty="0" smtClean="0"/>
+              <a:t>자료가 크기 순서대로 정렬된 리스트에서 특정한 값이 있는지 찾아 그 위치</a:t>
+            </a:r>
+            <a:endParaRPr lang="en-US" altLang="ko-KR" dirty="0" smtClean="0"/>
+          </a:p>
+          <a:p>
+            <a:pPr>
+              <a:lnSpc>
+                <a:spcPct val="150000"/>
+              </a:lnSpc>
+            </a:pPr>
+            <a:r>
+              <a:rPr lang="en-US" altLang="ko-KR" dirty="0"/>
+              <a:t> </a:t>
+            </a:r>
+            <a:r>
+              <a:rPr lang="en-US" altLang="ko-KR" dirty="0" smtClean="0"/>
+              <a:t>   </a:t>
+            </a:r>
+            <a:r>
+              <a:rPr lang="ko-KR" altLang="en-US" dirty="0" smtClean="0"/>
+              <a:t>를 돌려주는 알고리즘</a:t>
+            </a:r>
+            <a:endParaRPr lang="en-US" altLang="ko-KR" dirty="0" smtClean="0"/>
+          </a:p>
+        </p:txBody>
+      </p:sp>
+      <p:sp>
+        <p:nvSpPr>
+          <p:cNvPr id="7" name="직사각형 6"/>
+          <p:cNvSpPr/>
+          <p:nvPr/>
+        </p:nvSpPr>
+        <p:spPr>
+          <a:xfrm>
+            <a:off x="1799389" y="5267519"/>
+            <a:ext cx="644002" cy="518829"/>
+          </a:xfrm>
+          <a:prstGeom prst="rect">
+            <a:avLst/>
+          </a:prstGeom>
+          <a:ln/>
+        </p:spPr>
+        <p:style>
+          <a:lnRef idx="2">
+            <a:schemeClr val="accent3"/>
+          </a:lnRef>
+          <a:fillRef idx="1">
+            <a:schemeClr val="lt1"/>
+          </a:fillRef>
+          <a:effectRef idx="0">
+            <a:schemeClr val="accent3"/>
+          </a:effectRef>
+          <a:fontRef idx="minor">
+            <a:schemeClr val="dk1"/>
+          </a:fontRef>
+        </p:style>
+        <p:txBody>
+          <a:bodyPr rtlCol="0" anchor="ctr"/>
+          <a:lstStyle/>
+          <a:p>
+            <a:pPr algn="ctr"/>
+            <a:r>
+              <a:rPr lang="en-US" altLang="ko-KR" sz="1600" dirty="0" smtClean="0"/>
+              <a:t>1</a:t>
+            </a:r>
+            <a:endParaRPr lang="ko-KR" altLang="en-US" sz="1600" dirty="0"/>
+          </a:p>
+        </p:txBody>
+      </p:sp>
+      <p:sp>
+        <p:nvSpPr>
+          <p:cNvPr id="8" name="직사각형 7"/>
+          <p:cNvSpPr/>
+          <p:nvPr/>
+        </p:nvSpPr>
+        <p:spPr>
+          <a:xfrm>
+            <a:off x="2443390" y="5267519"/>
+            <a:ext cx="644002" cy="518829"/>
+          </a:xfrm>
+          <a:prstGeom prst="rect">
+            <a:avLst/>
+          </a:prstGeom>
+          <a:ln/>
+        </p:spPr>
+        <p:style>
+          <a:lnRef idx="2">
+            <a:schemeClr val="accent3"/>
+          </a:lnRef>
+          <a:fillRef idx="1">
+            <a:schemeClr val="lt1"/>
+          </a:fillRef>
+          <a:effectRef idx="0">
+            <a:schemeClr val="accent3"/>
+          </a:effectRef>
+          <a:fontRef idx="minor">
+            <a:schemeClr val="dk1"/>
+          </a:fontRef>
+        </p:style>
+        <p:txBody>
+          <a:bodyPr rtlCol="0" anchor="ctr"/>
+          <a:lstStyle/>
+          <a:p>
+            <a:pPr algn="ctr"/>
+            <a:r>
+              <a:rPr lang="en-US" altLang="ko-KR" sz="1600" dirty="0" smtClean="0"/>
+              <a:t>4</a:t>
+            </a:r>
+            <a:endParaRPr lang="ko-KR" altLang="en-US" sz="1600" dirty="0"/>
+          </a:p>
+        </p:txBody>
+      </p:sp>
+      <p:sp>
+        <p:nvSpPr>
+          <p:cNvPr id="9" name="직사각형 8"/>
+          <p:cNvSpPr/>
+          <p:nvPr/>
+        </p:nvSpPr>
+        <p:spPr>
+          <a:xfrm>
+            <a:off x="3076722" y="5267519"/>
+            <a:ext cx="644002" cy="518829"/>
+          </a:xfrm>
+          <a:prstGeom prst="rect">
+            <a:avLst/>
+          </a:prstGeom>
+          <a:ln/>
+        </p:spPr>
+        <p:style>
+          <a:lnRef idx="2">
+            <a:schemeClr val="accent3"/>
+          </a:lnRef>
+          <a:fillRef idx="1">
+            <a:schemeClr val="lt1"/>
+          </a:fillRef>
+          <a:effectRef idx="0">
+            <a:schemeClr val="accent3"/>
+          </a:effectRef>
+          <a:fontRef idx="minor">
+            <a:schemeClr val="dk1"/>
+          </a:fontRef>
+        </p:style>
+        <p:txBody>
+          <a:bodyPr rtlCol="0" anchor="ctr"/>
+          <a:lstStyle/>
+          <a:p>
+            <a:pPr algn="ctr"/>
+            <a:r>
+              <a:rPr lang="en-US" altLang="ko-KR" sz="1600" dirty="0" smtClean="0"/>
+              <a:t>9</a:t>
+            </a:r>
+            <a:endParaRPr lang="ko-KR" altLang="en-US" sz="1600" dirty="0"/>
+          </a:p>
+        </p:txBody>
+      </p:sp>
+      <p:sp>
+        <p:nvSpPr>
+          <p:cNvPr id="10" name="직사각형 9"/>
+          <p:cNvSpPr/>
+          <p:nvPr/>
+        </p:nvSpPr>
+        <p:spPr>
+          <a:xfrm>
+            <a:off x="3716653" y="5267519"/>
+            <a:ext cx="644002" cy="518829"/>
+          </a:xfrm>
+          <a:prstGeom prst="rect">
+            <a:avLst/>
+          </a:prstGeom>
+          <a:ln/>
+        </p:spPr>
+        <p:style>
+          <a:lnRef idx="2">
+            <a:schemeClr val="accent3"/>
+          </a:lnRef>
+          <a:fillRef idx="1">
+            <a:schemeClr val="lt1"/>
+          </a:fillRef>
+          <a:effectRef idx="0">
+            <a:schemeClr val="accent3"/>
+          </a:effectRef>
+          <a:fontRef idx="minor">
+            <a:schemeClr val="dk1"/>
+          </a:fontRef>
+        </p:style>
+        <p:txBody>
+          <a:bodyPr rtlCol="0" anchor="ctr"/>
+          <a:lstStyle/>
+          <a:p>
+            <a:pPr algn="ctr"/>
+            <a:r>
+              <a:rPr lang="en-US" altLang="ko-KR" sz="1600" dirty="0" smtClean="0"/>
+              <a:t>16</a:t>
+            </a:r>
+            <a:endParaRPr lang="ko-KR" altLang="en-US" sz="1600" dirty="0"/>
+          </a:p>
+        </p:txBody>
+      </p:sp>
+      <p:sp>
+        <p:nvSpPr>
+          <p:cNvPr id="11" name="직사각형 10"/>
+          <p:cNvSpPr/>
+          <p:nvPr/>
+        </p:nvSpPr>
+        <p:spPr>
+          <a:xfrm>
+            <a:off x="4354056" y="5267519"/>
+            <a:ext cx="644002" cy="518829"/>
+          </a:xfrm>
+          <a:prstGeom prst="rect">
+            <a:avLst/>
+          </a:prstGeom>
+          <a:solidFill>
+            <a:schemeClr val="accent6">
+              <a:lumMod val="40000"/>
+              <a:lumOff val="60000"/>
+            </a:schemeClr>
+          </a:solidFill>
+          <a:ln/>
+        </p:spPr>
+        <p:style>
+          <a:lnRef idx="2">
+            <a:schemeClr val="accent3"/>
+          </a:lnRef>
+          <a:fillRef idx="1">
+            <a:schemeClr val="lt1"/>
+          </a:fillRef>
+          <a:effectRef idx="0">
+            <a:schemeClr val="accent3"/>
+          </a:effectRef>
+          <a:fontRef idx="minor">
+            <a:schemeClr val="dk1"/>
+          </a:fontRef>
+        </p:style>
+        <p:txBody>
+          <a:bodyPr rtlCol="0" anchor="ctr"/>
+          <a:lstStyle/>
+          <a:p>
+            <a:pPr algn="ctr"/>
+            <a:r>
+              <a:rPr lang="en-US" altLang="ko-KR" sz="1600" dirty="0" smtClean="0"/>
+              <a:t>25</a:t>
+            </a:r>
+            <a:endParaRPr lang="ko-KR" altLang="en-US" sz="1600" dirty="0"/>
+          </a:p>
+        </p:txBody>
+      </p:sp>
+      <p:sp>
+        <p:nvSpPr>
+          <p:cNvPr id="12" name="직사각형 11"/>
+          <p:cNvSpPr/>
+          <p:nvPr/>
+        </p:nvSpPr>
+        <p:spPr>
+          <a:xfrm>
+            <a:off x="4930120" y="5267519"/>
+            <a:ext cx="644002" cy="518829"/>
+          </a:xfrm>
+          <a:prstGeom prst="rect">
+            <a:avLst/>
+          </a:prstGeom>
+          <a:ln/>
+        </p:spPr>
+        <p:style>
+          <a:lnRef idx="2">
+            <a:schemeClr val="accent3"/>
+          </a:lnRef>
+          <a:fillRef idx="1">
+            <a:schemeClr val="lt1"/>
+          </a:fillRef>
+          <a:effectRef idx="0">
+            <a:schemeClr val="accent3"/>
+          </a:effectRef>
+          <a:fontRef idx="minor">
+            <a:schemeClr val="dk1"/>
+          </a:fontRef>
+        </p:style>
+        <p:txBody>
+          <a:bodyPr rtlCol="0" anchor="ctr"/>
+          <a:lstStyle/>
+          <a:p>
+            <a:pPr algn="ctr"/>
+            <a:r>
+              <a:rPr lang="en-US" altLang="ko-KR" sz="1600" dirty="0" smtClean="0"/>
+              <a:t>36</a:t>
+            </a:r>
+            <a:endParaRPr lang="ko-KR" altLang="en-US" sz="1600" dirty="0"/>
+          </a:p>
+        </p:txBody>
+      </p:sp>
+      <p:sp>
+        <p:nvSpPr>
+          <p:cNvPr id="13" name="직사각형 12"/>
+          <p:cNvSpPr/>
+          <p:nvPr/>
+        </p:nvSpPr>
+        <p:spPr>
+          <a:xfrm>
+            <a:off x="1784648" y="5843583"/>
+            <a:ext cx="644002" cy="518829"/>
+          </a:xfrm>
+          <a:prstGeom prst="rect">
+            <a:avLst/>
+          </a:prstGeom>
+          <a:ln>
+            <a:noFill/>
+          </a:ln>
+        </p:spPr>
+        <p:style>
+          <a:lnRef idx="2">
+            <a:schemeClr val="accent3"/>
+          </a:lnRef>
+          <a:fillRef idx="1">
+            <a:schemeClr val="lt1"/>
+          </a:fillRef>
+          <a:effectRef idx="0">
+            <a:schemeClr val="accent3"/>
+          </a:effectRef>
+          <a:fontRef idx="minor">
+            <a:schemeClr val="dk1"/>
+          </a:fontRef>
+        </p:style>
+        <p:txBody>
+          <a:bodyPr rtlCol="0" anchor="ctr"/>
+          <a:lstStyle/>
+          <a:p>
+            <a:pPr algn="ctr"/>
+            <a:r>
+              <a:rPr lang="en-US" altLang="ko-KR" sz="1600" dirty="0" smtClean="0"/>
+              <a:t>0</a:t>
+            </a:r>
+            <a:endParaRPr lang="ko-KR" altLang="en-US" sz="1600" dirty="0"/>
+          </a:p>
+        </p:txBody>
+      </p:sp>
+      <p:sp>
+        <p:nvSpPr>
+          <p:cNvPr id="14" name="직사각형 13"/>
+          <p:cNvSpPr/>
+          <p:nvPr/>
+        </p:nvSpPr>
+        <p:spPr>
+          <a:xfrm>
+            <a:off x="2437209" y="5843583"/>
+            <a:ext cx="644002" cy="518829"/>
+          </a:xfrm>
+          <a:prstGeom prst="rect">
+            <a:avLst/>
+          </a:prstGeom>
+          <a:ln>
+            <a:noFill/>
+          </a:ln>
+        </p:spPr>
+        <p:style>
+          <a:lnRef idx="2">
+            <a:schemeClr val="accent3"/>
+          </a:lnRef>
+          <a:fillRef idx="1">
+            <a:schemeClr val="lt1"/>
+          </a:fillRef>
+          <a:effectRef idx="0">
+            <a:schemeClr val="accent3"/>
+          </a:effectRef>
+          <a:fontRef idx="minor">
+            <a:schemeClr val="dk1"/>
+          </a:fontRef>
+        </p:style>
+        <p:txBody>
+          <a:bodyPr rtlCol="0" anchor="ctr"/>
+          <a:lstStyle/>
+          <a:p>
+            <a:pPr algn="ctr"/>
+            <a:r>
+              <a:rPr lang="en-US" altLang="ko-KR" sz="1600" dirty="0" smtClean="0"/>
+              <a:t>1</a:t>
+            </a:r>
+            <a:endParaRPr lang="ko-KR" altLang="en-US" sz="1600" dirty="0"/>
+          </a:p>
+        </p:txBody>
+      </p:sp>
+      <p:sp>
+        <p:nvSpPr>
+          <p:cNvPr id="15" name="직사각형 14"/>
+          <p:cNvSpPr/>
+          <p:nvPr/>
+        </p:nvSpPr>
+        <p:spPr>
+          <a:xfrm>
+            <a:off x="3008784" y="5843583"/>
+            <a:ext cx="644002" cy="518829"/>
+          </a:xfrm>
+          <a:prstGeom prst="rect">
+            <a:avLst/>
+          </a:prstGeom>
+          <a:ln>
+            <a:noFill/>
+          </a:ln>
+        </p:spPr>
+        <p:style>
+          <a:lnRef idx="2">
+            <a:schemeClr val="accent3"/>
+          </a:lnRef>
+          <a:fillRef idx="1">
+            <a:schemeClr val="lt1"/>
+          </a:fillRef>
+          <a:effectRef idx="0">
+            <a:schemeClr val="accent3"/>
+          </a:effectRef>
+          <a:fontRef idx="minor">
+            <a:schemeClr val="dk1"/>
+          </a:fontRef>
+        </p:style>
+        <p:txBody>
+          <a:bodyPr rtlCol="0" anchor="ctr"/>
+          <a:lstStyle/>
+          <a:p>
+            <a:pPr algn="ctr"/>
+            <a:r>
+              <a:rPr lang="en-US" altLang="ko-KR" sz="1600" dirty="0" smtClean="0"/>
+              <a:t>2</a:t>
+            </a:r>
+            <a:endParaRPr lang="ko-KR" altLang="en-US" sz="1600" dirty="0"/>
+          </a:p>
+        </p:txBody>
+      </p:sp>
+      <p:sp>
+        <p:nvSpPr>
+          <p:cNvPr id="16" name="직사각형 15"/>
+          <p:cNvSpPr/>
+          <p:nvPr/>
+        </p:nvSpPr>
+        <p:spPr>
+          <a:xfrm>
+            <a:off x="3732934" y="5843583"/>
+            <a:ext cx="644002" cy="518829"/>
+          </a:xfrm>
+          <a:prstGeom prst="rect">
+            <a:avLst/>
+          </a:prstGeom>
+          <a:ln>
+            <a:noFill/>
+          </a:ln>
+        </p:spPr>
+        <p:style>
+          <a:lnRef idx="2">
+            <a:schemeClr val="accent3"/>
+          </a:lnRef>
+          <a:fillRef idx="1">
+            <a:schemeClr val="lt1"/>
+          </a:fillRef>
+          <a:effectRef idx="0">
+            <a:schemeClr val="accent3"/>
+          </a:effectRef>
+          <a:fontRef idx="minor">
+            <a:schemeClr val="dk1"/>
+          </a:fontRef>
+        </p:style>
+        <p:txBody>
+          <a:bodyPr rtlCol="0" anchor="ctr"/>
+          <a:lstStyle/>
+          <a:p>
+            <a:pPr algn="ctr"/>
+            <a:endParaRPr lang="ko-KR" altLang="en-US" sz="1600" dirty="0"/>
+          </a:p>
+        </p:txBody>
+      </p:sp>
+      <p:sp>
+        <p:nvSpPr>
+          <p:cNvPr id="17" name="직사각형 16"/>
+          <p:cNvSpPr/>
+          <p:nvPr/>
+        </p:nvSpPr>
+        <p:spPr>
+          <a:xfrm>
+            <a:off x="4341480" y="5843583"/>
+            <a:ext cx="644002" cy="518829"/>
+          </a:xfrm>
+          <a:prstGeom prst="rect">
+            <a:avLst/>
+          </a:prstGeom>
+          <a:solidFill>
+            <a:schemeClr val="accent6">
+              <a:lumMod val="20000"/>
+              <a:lumOff val="80000"/>
+            </a:schemeClr>
+          </a:solidFill>
+          <a:ln>
+            <a:noFill/>
+          </a:ln>
+        </p:spPr>
+        <p:style>
+          <a:lnRef idx="2">
+            <a:schemeClr val="accent3"/>
+          </a:lnRef>
+          <a:fillRef idx="1">
+            <a:schemeClr val="lt1"/>
+          </a:fillRef>
+          <a:effectRef idx="0">
+            <a:schemeClr val="accent3"/>
+          </a:effectRef>
+          <a:fontRef idx="minor">
+            <a:schemeClr val="dk1"/>
+          </a:fontRef>
+        </p:style>
+        <p:txBody>
+          <a:bodyPr rtlCol="0" anchor="ctr"/>
+          <a:lstStyle/>
+          <a:p>
+            <a:pPr algn="ctr"/>
+            <a:r>
+              <a:rPr lang="en-US" altLang="ko-KR" sz="1600" dirty="0" smtClean="0"/>
+              <a:t>4</a:t>
+            </a:r>
+            <a:endParaRPr lang="ko-KR" altLang="en-US" sz="1600" dirty="0"/>
+          </a:p>
+        </p:txBody>
+      </p:sp>
+      <p:sp>
+        <p:nvSpPr>
+          <p:cNvPr id="18" name="직사각형 17"/>
+          <p:cNvSpPr/>
+          <p:nvPr/>
+        </p:nvSpPr>
+        <p:spPr>
+          <a:xfrm>
+            <a:off x="4950026" y="5843583"/>
+            <a:ext cx="644002" cy="518829"/>
+          </a:xfrm>
+          <a:prstGeom prst="rect">
+            <a:avLst/>
+          </a:prstGeom>
+          <a:ln>
+            <a:noFill/>
+          </a:ln>
+        </p:spPr>
+        <p:style>
+          <a:lnRef idx="2">
+            <a:schemeClr val="accent3"/>
+          </a:lnRef>
+          <a:fillRef idx="1">
+            <a:schemeClr val="lt1"/>
+          </a:fillRef>
+          <a:effectRef idx="0">
+            <a:schemeClr val="accent3"/>
+          </a:effectRef>
+          <a:fontRef idx="minor">
+            <a:schemeClr val="dk1"/>
+          </a:fontRef>
+        </p:style>
+        <p:txBody>
+          <a:bodyPr rtlCol="0" anchor="ctr"/>
+          <a:lstStyle/>
+          <a:p>
+            <a:pPr algn="ctr"/>
+            <a:r>
+              <a:rPr lang="en-US" altLang="ko-KR" sz="1600" dirty="0" smtClean="0"/>
+              <a:t>5</a:t>
+            </a:r>
+            <a:endParaRPr lang="ko-KR" altLang="en-US" sz="1600" dirty="0"/>
+          </a:p>
+        </p:txBody>
+      </p:sp>
+      <p:sp>
+        <p:nvSpPr>
+          <p:cNvPr id="19" name="직사각형 18"/>
+          <p:cNvSpPr/>
+          <p:nvPr/>
+        </p:nvSpPr>
+        <p:spPr>
+          <a:xfrm>
+            <a:off x="3732934" y="5843583"/>
+            <a:ext cx="644002" cy="518829"/>
+          </a:xfrm>
+          <a:prstGeom prst="rect">
+            <a:avLst/>
+          </a:prstGeom>
+          <a:ln>
+            <a:noFill/>
+          </a:ln>
+        </p:spPr>
+        <p:style>
+          <a:lnRef idx="2">
+            <a:schemeClr val="accent3"/>
+          </a:lnRef>
+          <a:fillRef idx="1">
+            <a:schemeClr val="lt1"/>
+          </a:fillRef>
+          <a:effectRef idx="0">
+            <a:schemeClr val="accent3"/>
+          </a:effectRef>
+          <a:fontRef idx="minor">
+            <a:schemeClr val="dk1"/>
+          </a:fontRef>
+        </p:style>
+        <p:txBody>
+          <a:bodyPr rtlCol="0" anchor="ctr"/>
+          <a:lstStyle/>
+          <a:p>
+            <a:pPr algn="ctr"/>
+            <a:r>
+              <a:rPr lang="en-US" altLang="ko-KR" sz="1600" dirty="0" smtClean="0"/>
+              <a:t>3</a:t>
+            </a:r>
+            <a:endParaRPr lang="ko-KR" altLang="en-US" sz="1600" dirty="0"/>
+          </a:p>
+        </p:txBody>
+      </p:sp>
+      <p:sp>
+        <p:nvSpPr>
+          <p:cNvPr id="28" name="TextBox 27"/>
+          <p:cNvSpPr txBox="1"/>
+          <p:nvPr/>
+        </p:nvSpPr>
+        <p:spPr>
+          <a:xfrm>
+            <a:off x="1208584" y="2708920"/>
+            <a:ext cx="7920880" cy="2169825"/>
+          </a:xfrm>
+          <a:prstGeom prst="rect">
+            <a:avLst/>
+          </a:prstGeom>
+          <a:noFill/>
+        </p:spPr>
+        <p:txBody>
+          <a:bodyPr wrap="square" rtlCol="0">
+            <a:spAutoFit/>
+          </a:bodyPr>
+          <a:lstStyle/>
+          <a:p>
+            <a:pPr>
+              <a:lnSpc>
+                <a:spcPct val="150000"/>
+              </a:lnSpc>
+            </a:pPr>
+            <a:r>
+              <a:rPr lang="en-US" altLang="ko-KR" dirty="0"/>
+              <a:t> </a:t>
+            </a:r>
+            <a:r>
+              <a:rPr lang="ko-KR" altLang="en-US" dirty="0"/>
+              <a:t>☆ 탐색 과정</a:t>
+            </a:r>
+            <a:endParaRPr lang="en-US" altLang="ko-KR" dirty="0"/>
+          </a:p>
+          <a:p>
+            <a:pPr>
+              <a:lnSpc>
+                <a:spcPct val="150000"/>
+              </a:lnSpc>
+            </a:pPr>
+            <a:r>
+              <a:rPr lang="en-US" altLang="ko-KR" dirty="0"/>
+              <a:t>     </a:t>
+            </a:r>
+            <a:r>
+              <a:rPr lang="en-US" altLang="ko-KR" dirty="0" smtClean="0"/>
+              <a:t>1</a:t>
+            </a:r>
+            <a:r>
+              <a:rPr lang="en-US" altLang="ko-KR" dirty="0"/>
+              <a:t>. </a:t>
+            </a:r>
+            <a:r>
+              <a:rPr lang="ko-KR" altLang="en-US" dirty="0"/>
+              <a:t>중간 위치를 </a:t>
+            </a:r>
+            <a:r>
+              <a:rPr lang="ko-KR" altLang="en-US" dirty="0" smtClean="0"/>
+              <a:t>찾는다</a:t>
+            </a:r>
+            <a:r>
+              <a:rPr lang="en-US" altLang="ko-KR" dirty="0" smtClean="0"/>
+              <a:t>.</a:t>
+            </a:r>
+          </a:p>
+          <a:p>
+            <a:pPr>
+              <a:lnSpc>
+                <a:spcPct val="150000"/>
+              </a:lnSpc>
+            </a:pPr>
+            <a:r>
+              <a:rPr lang="en-US" altLang="ko-KR" dirty="0"/>
+              <a:t> </a:t>
+            </a:r>
+            <a:r>
+              <a:rPr lang="en-US" altLang="ko-KR" dirty="0" smtClean="0"/>
+              <a:t>    2. </a:t>
+            </a:r>
+            <a:r>
+              <a:rPr lang="ko-KR" altLang="en-US" dirty="0" smtClean="0"/>
+              <a:t>찾는 값과 중간 </a:t>
+            </a:r>
+            <a:r>
+              <a:rPr lang="ko-KR" altLang="en-US" dirty="0" err="1" smtClean="0"/>
+              <a:t>위치값을</a:t>
+            </a:r>
+            <a:r>
+              <a:rPr lang="ko-KR" altLang="en-US" dirty="0" smtClean="0"/>
+              <a:t> 비교한다</a:t>
+            </a:r>
+            <a:r>
+              <a:rPr lang="en-US" altLang="ko-KR" dirty="0" smtClean="0"/>
+              <a:t>.</a:t>
+            </a:r>
+          </a:p>
+          <a:p>
+            <a:pPr>
+              <a:lnSpc>
+                <a:spcPct val="150000"/>
+              </a:lnSpc>
+            </a:pPr>
+            <a:r>
+              <a:rPr lang="en-US" altLang="ko-KR" dirty="0"/>
+              <a:t> </a:t>
+            </a:r>
+            <a:r>
+              <a:rPr lang="en-US" altLang="ko-KR" dirty="0" smtClean="0"/>
+              <a:t>    3. </a:t>
+            </a:r>
+            <a:r>
+              <a:rPr lang="ko-KR" altLang="en-US" dirty="0" smtClean="0"/>
+              <a:t>찾는 값이 중간 위치 값보다 크면 중간 위치의 오른쪽을 대상으로</a:t>
+            </a:r>
+            <a:endParaRPr lang="en-US" altLang="ko-KR" dirty="0" smtClean="0"/>
+          </a:p>
+          <a:p>
+            <a:pPr>
+              <a:lnSpc>
+                <a:spcPct val="150000"/>
+              </a:lnSpc>
+            </a:pPr>
+            <a:r>
+              <a:rPr lang="en-US" altLang="ko-KR" dirty="0"/>
+              <a:t> </a:t>
+            </a:r>
+            <a:r>
+              <a:rPr lang="en-US" altLang="ko-KR" dirty="0" smtClean="0"/>
+              <a:t>       </a:t>
+            </a:r>
+            <a:r>
+              <a:rPr lang="ko-KR" altLang="en-US" dirty="0" smtClean="0"/>
+              <a:t>탐색하고</a:t>
+            </a:r>
+            <a:r>
+              <a:rPr lang="en-US" altLang="ko-KR" dirty="0" smtClean="0"/>
+              <a:t>, </a:t>
+            </a:r>
+            <a:r>
+              <a:rPr lang="ko-KR" altLang="en-US" dirty="0" smtClean="0"/>
+              <a:t>작으면 왼쪽을 대상으로 탐색한다</a:t>
+            </a:r>
+            <a:r>
+              <a:rPr lang="en-US" altLang="ko-KR" dirty="0" smtClean="0"/>
+              <a:t>.</a:t>
+            </a:r>
+            <a:endParaRPr lang="ko-KR" altLang="en-US" dirty="0"/>
+          </a:p>
+        </p:txBody>
+      </p:sp>
+      <p:sp>
+        <p:nvSpPr>
+          <p:cNvPr id="29" name="직사각형 28"/>
+          <p:cNvSpPr/>
+          <p:nvPr/>
+        </p:nvSpPr>
+        <p:spPr>
+          <a:xfrm>
+            <a:off x="5524994" y="5266270"/>
+            <a:ext cx="644002" cy="518829"/>
+          </a:xfrm>
+          <a:prstGeom prst="rect">
+            <a:avLst/>
+          </a:prstGeom>
+          <a:ln/>
+        </p:spPr>
+        <p:style>
+          <a:lnRef idx="2">
+            <a:schemeClr val="accent3"/>
+          </a:lnRef>
+          <a:fillRef idx="1">
+            <a:schemeClr val="lt1"/>
+          </a:fillRef>
+          <a:effectRef idx="0">
+            <a:schemeClr val="accent3"/>
+          </a:effectRef>
+          <a:fontRef idx="minor">
+            <a:schemeClr val="dk1"/>
+          </a:fontRef>
+        </p:style>
+        <p:txBody>
+          <a:bodyPr rtlCol="0" anchor="ctr"/>
+          <a:lstStyle/>
+          <a:p>
+            <a:pPr algn="ctr"/>
+            <a:r>
+              <a:rPr lang="en-US" altLang="ko-KR" sz="1600" dirty="0" smtClean="0"/>
+              <a:t>49</a:t>
+            </a:r>
+            <a:endParaRPr lang="ko-KR" altLang="en-US" sz="1600" dirty="0"/>
+          </a:p>
+        </p:txBody>
+      </p:sp>
+      <p:sp>
+        <p:nvSpPr>
+          <p:cNvPr id="30" name="직사각형 29"/>
+          <p:cNvSpPr/>
+          <p:nvPr/>
+        </p:nvSpPr>
+        <p:spPr>
+          <a:xfrm>
+            <a:off x="6162397" y="5266270"/>
+            <a:ext cx="644002" cy="518829"/>
+          </a:xfrm>
+          <a:prstGeom prst="rect">
+            <a:avLst/>
+          </a:prstGeom>
+          <a:ln/>
+        </p:spPr>
+        <p:style>
+          <a:lnRef idx="2">
+            <a:schemeClr val="accent3"/>
+          </a:lnRef>
+          <a:fillRef idx="1">
+            <a:schemeClr val="lt1"/>
+          </a:fillRef>
+          <a:effectRef idx="0">
+            <a:schemeClr val="accent3"/>
+          </a:effectRef>
+          <a:fontRef idx="minor">
+            <a:schemeClr val="dk1"/>
+          </a:fontRef>
+        </p:style>
+        <p:txBody>
+          <a:bodyPr rtlCol="0" anchor="ctr"/>
+          <a:lstStyle/>
+          <a:p>
+            <a:pPr algn="ctr"/>
+            <a:r>
+              <a:rPr lang="en-US" altLang="ko-KR" sz="1600" dirty="0" smtClean="0"/>
+              <a:t>64</a:t>
+            </a:r>
+            <a:endParaRPr lang="ko-KR" altLang="en-US" sz="1600" dirty="0"/>
+          </a:p>
+        </p:txBody>
+      </p:sp>
+      <p:sp>
+        <p:nvSpPr>
+          <p:cNvPr id="31" name="직사각형 30"/>
+          <p:cNvSpPr/>
+          <p:nvPr/>
+        </p:nvSpPr>
+        <p:spPr>
+          <a:xfrm>
+            <a:off x="6738461" y="5266270"/>
+            <a:ext cx="644002" cy="518829"/>
+          </a:xfrm>
+          <a:prstGeom prst="rect">
+            <a:avLst/>
+          </a:prstGeom>
+          <a:ln/>
+        </p:spPr>
+        <p:style>
+          <a:lnRef idx="2">
+            <a:schemeClr val="accent3"/>
+          </a:lnRef>
+          <a:fillRef idx="1">
+            <a:schemeClr val="lt1"/>
+          </a:fillRef>
+          <a:effectRef idx="0">
+            <a:schemeClr val="accent3"/>
+          </a:effectRef>
+          <a:fontRef idx="minor">
+            <a:schemeClr val="dk1"/>
+          </a:fontRef>
+        </p:style>
+        <p:txBody>
+          <a:bodyPr rtlCol="0" anchor="ctr"/>
+          <a:lstStyle/>
+          <a:p>
+            <a:pPr algn="ctr"/>
+            <a:r>
+              <a:rPr lang="en-US" altLang="ko-KR" sz="1600" dirty="0" smtClean="0"/>
+              <a:t>81</a:t>
+            </a:r>
+            <a:endParaRPr lang="ko-KR" altLang="en-US" sz="1600" dirty="0"/>
+          </a:p>
+        </p:txBody>
+      </p:sp>
+      <p:sp>
+        <p:nvSpPr>
+          <p:cNvPr id="32" name="직사각형 31"/>
+          <p:cNvSpPr/>
+          <p:nvPr/>
+        </p:nvSpPr>
+        <p:spPr>
+          <a:xfrm>
+            <a:off x="6132606" y="5852914"/>
+            <a:ext cx="644002" cy="518829"/>
+          </a:xfrm>
+          <a:prstGeom prst="rect">
+            <a:avLst/>
+          </a:prstGeom>
+          <a:ln>
+            <a:noFill/>
+          </a:ln>
+        </p:spPr>
+        <p:style>
+          <a:lnRef idx="2">
+            <a:schemeClr val="accent3"/>
+          </a:lnRef>
+          <a:fillRef idx="1">
+            <a:schemeClr val="lt1"/>
+          </a:fillRef>
+          <a:effectRef idx="0">
+            <a:schemeClr val="accent3"/>
+          </a:effectRef>
+          <a:fontRef idx="minor">
+            <a:schemeClr val="dk1"/>
+          </a:fontRef>
+        </p:style>
+        <p:txBody>
+          <a:bodyPr rtlCol="0" anchor="ctr"/>
+          <a:lstStyle/>
+          <a:p>
+            <a:pPr algn="ctr"/>
+            <a:r>
+              <a:rPr lang="en-US" altLang="ko-KR" sz="1600" dirty="0"/>
+              <a:t>7</a:t>
+            </a:r>
+            <a:endParaRPr lang="ko-KR" altLang="en-US" sz="1600" dirty="0"/>
+          </a:p>
+        </p:txBody>
+      </p:sp>
+      <p:sp>
+        <p:nvSpPr>
+          <p:cNvPr id="33" name="직사각형 32"/>
+          <p:cNvSpPr/>
+          <p:nvPr/>
+        </p:nvSpPr>
+        <p:spPr>
+          <a:xfrm>
+            <a:off x="5536297" y="5843583"/>
+            <a:ext cx="644002" cy="518829"/>
+          </a:xfrm>
+          <a:prstGeom prst="rect">
+            <a:avLst/>
+          </a:prstGeom>
+          <a:ln>
+            <a:noFill/>
+          </a:ln>
+        </p:spPr>
+        <p:style>
+          <a:lnRef idx="2">
+            <a:schemeClr val="accent3"/>
+          </a:lnRef>
+          <a:fillRef idx="1">
+            <a:schemeClr val="lt1"/>
+          </a:fillRef>
+          <a:effectRef idx="0">
+            <a:schemeClr val="accent3"/>
+          </a:effectRef>
+          <a:fontRef idx="minor">
+            <a:schemeClr val="dk1"/>
+          </a:fontRef>
+        </p:style>
+        <p:txBody>
+          <a:bodyPr rtlCol="0" anchor="ctr"/>
+          <a:lstStyle/>
+          <a:p>
+            <a:pPr algn="ctr"/>
+            <a:r>
+              <a:rPr lang="en-US" altLang="ko-KR" sz="1600" dirty="0"/>
+              <a:t>6</a:t>
+            </a:r>
+            <a:endParaRPr lang="ko-KR" altLang="en-US" sz="1600" dirty="0"/>
+          </a:p>
+        </p:txBody>
+      </p:sp>
+      <p:sp>
+        <p:nvSpPr>
+          <p:cNvPr id="34" name="직사각형 33"/>
+          <p:cNvSpPr/>
+          <p:nvPr/>
+        </p:nvSpPr>
+        <p:spPr>
+          <a:xfrm>
+            <a:off x="6743530" y="5843582"/>
+            <a:ext cx="644002" cy="518829"/>
+          </a:xfrm>
+          <a:prstGeom prst="rect">
+            <a:avLst/>
+          </a:prstGeom>
+          <a:ln>
+            <a:noFill/>
+          </a:ln>
+        </p:spPr>
+        <p:style>
+          <a:lnRef idx="2">
+            <a:schemeClr val="accent3"/>
+          </a:lnRef>
+          <a:fillRef idx="1">
+            <a:schemeClr val="lt1"/>
+          </a:fillRef>
+          <a:effectRef idx="0">
+            <a:schemeClr val="accent3"/>
+          </a:effectRef>
+          <a:fontRef idx="minor">
+            <a:schemeClr val="dk1"/>
+          </a:fontRef>
+        </p:style>
+        <p:txBody>
+          <a:bodyPr rtlCol="0" anchor="ctr"/>
+          <a:lstStyle/>
+          <a:p>
+            <a:pPr algn="ctr"/>
+            <a:r>
+              <a:rPr lang="en-US" altLang="ko-KR" sz="1600" dirty="0"/>
+              <a:t>8</a:t>
+            </a:r>
+            <a:endParaRPr lang="ko-KR" altLang="en-US" sz="1600" dirty="0"/>
+          </a:p>
+        </p:txBody>
+      </p:sp>
+      <p:sp>
+        <p:nvSpPr>
+          <p:cNvPr id="35" name="자유형 34"/>
+          <p:cNvSpPr/>
+          <p:nvPr/>
+        </p:nvSpPr>
+        <p:spPr>
+          <a:xfrm>
+            <a:off x="4668489" y="4941168"/>
+            <a:ext cx="1148607" cy="315771"/>
+          </a:xfrm>
+          <a:custGeom>
+            <a:avLst/>
+            <a:gdLst>
+              <a:gd name="connsiteX0" fmla="*/ 0 w 748937"/>
+              <a:gd name="connsiteY0" fmla="*/ 139361 h 139361"/>
+              <a:gd name="connsiteX1" fmla="*/ 426720 w 748937"/>
+              <a:gd name="connsiteY1" fmla="*/ 23 h 139361"/>
+              <a:gd name="connsiteX2" fmla="*/ 748937 w 748937"/>
+              <a:gd name="connsiteY2" fmla="*/ 130652 h 139361"/>
+            </a:gdLst>
+            <a:ahLst/>
+            <a:cxnLst>
+              <a:cxn ang="0">
+                <a:pos x="connsiteX0" y="connsiteY0"/>
+              </a:cxn>
+              <a:cxn ang="0">
+                <a:pos x="connsiteX1" y="connsiteY1"/>
+              </a:cxn>
+              <a:cxn ang="0">
+                <a:pos x="connsiteX2" y="connsiteY2"/>
+              </a:cxn>
+            </a:cxnLst>
+            <a:rect l="l" t="t" r="r" b="b"/>
+            <a:pathLst>
+              <a:path w="748937" h="139361">
+                <a:moveTo>
+                  <a:pt x="0" y="139361"/>
+                </a:moveTo>
+                <a:cubicBezTo>
+                  <a:pt x="150948" y="70417"/>
+                  <a:pt x="301897" y="1474"/>
+                  <a:pt x="426720" y="23"/>
+                </a:cubicBezTo>
+                <a:cubicBezTo>
+                  <a:pt x="551543" y="-1428"/>
+                  <a:pt x="650240" y="64612"/>
+                  <a:pt x="748937" y="130652"/>
+                </a:cubicBezTo>
+              </a:path>
+            </a:pathLst>
+          </a:custGeom>
+          <a:noFill/>
+          <a:ln w="12700">
+            <a:solidFill>
+              <a:schemeClr val="tx1"/>
+            </a:solidFill>
+            <a:headEnd type="none" w="med" len="med"/>
+            <a:tailEnd type="triangle" w="med" len="med"/>
+          </a:ln>
+        </p:spPr>
+        <p:style>
+          <a:lnRef idx="2">
+            <a:schemeClr val="accent1">
+              <a:shade val="50000"/>
+            </a:schemeClr>
+          </a:lnRef>
+          <a:fillRef idx="1">
+            <a:schemeClr val="accent1"/>
+          </a:fillRef>
+          <a:effectRef idx="0">
+            <a:schemeClr val="accent1"/>
+          </a:effectRef>
+          <a:fontRef idx="minor">
+            <a:schemeClr val="lt1"/>
+          </a:fontRef>
+        </p:style>
+        <p:txBody>
+          <a:bodyPr rtlCol="0" anchor="ctr"/>
+          <a:lstStyle/>
+          <a:p>
+            <a:pPr algn="ctr"/>
+            <a:endParaRPr lang="ko-KR" altLang="en-US"/>
+          </a:p>
+        </p:txBody>
+      </p:sp>
+      <p:sp>
+        <p:nvSpPr>
+          <p:cNvPr id="36" name="자유형 35"/>
+          <p:cNvSpPr/>
+          <p:nvPr/>
+        </p:nvSpPr>
+        <p:spPr>
+          <a:xfrm flipH="1">
+            <a:off x="5149062" y="4969785"/>
+            <a:ext cx="667302" cy="315771"/>
+          </a:xfrm>
+          <a:custGeom>
+            <a:avLst/>
+            <a:gdLst>
+              <a:gd name="connsiteX0" fmla="*/ 0 w 748937"/>
+              <a:gd name="connsiteY0" fmla="*/ 139361 h 139361"/>
+              <a:gd name="connsiteX1" fmla="*/ 426720 w 748937"/>
+              <a:gd name="connsiteY1" fmla="*/ 23 h 139361"/>
+              <a:gd name="connsiteX2" fmla="*/ 748937 w 748937"/>
+              <a:gd name="connsiteY2" fmla="*/ 130652 h 139361"/>
+            </a:gdLst>
+            <a:ahLst/>
+            <a:cxnLst>
+              <a:cxn ang="0">
+                <a:pos x="connsiteX0" y="connsiteY0"/>
+              </a:cxn>
+              <a:cxn ang="0">
+                <a:pos x="connsiteX1" y="connsiteY1"/>
+              </a:cxn>
+              <a:cxn ang="0">
+                <a:pos x="connsiteX2" y="connsiteY2"/>
+              </a:cxn>
+            </a:cxnLst>
+            <a:rect l="l" t="t" r="r" b="b"/>
+            <a:pathLst>
+              <a:path w="748937" h="139361">
+                <a:moveTo>
+                  <a:pt x="0" y="139361"/>
+                </a:moveTo>
+                <a:cubicBezTo>
+                  <a:pt x="150948" y="70417"/>
+                  <a:pt x="301897" y="1474"/>
+                  <a:pt x="426720" y="23"/>
+                </a:cubicBezTo>
+                <a:cubicBezTo>
+                  <a:pt x="551543" y="-1428"/>
+                  <a:pt x="650240" y="64612"/>
+                  <a:pt x="748937" y="130652"/>
+                </a:cubicBezTo>
+              </a:path>
+            </a:pathLst>
+          </a:custGeom>
+          <a:noFill/>
+          <a:ln w="12700">
+            <a:solidFill>
+              <a:schemeClr val="tx1"/>
+            </a:solidFill>
+            <a:headEnd type="none" w="med" len="med"/>
+            <a:tailEnd type="triangle" w="med" len="med"/>
+          </a:ln>
+        </p:spPr>
+        <p:style>
+          <a:lnRef idx="2">
+            <a:schemeClr val="accent1">
+              <a:shade val="50000"/>
+            </a:schemeClr>
+          </a:lnRef>
+          <a:fillRef idx="1">
+            <a:schemeClr val="accent1"/>
+          </a:fillRef>
+          <a:effectRef idx="0">
+            <a:schemeClr val="accent1"/>
+          </a:effectRef>
+          <a:fontRef idx="minor">
+            <a:schemeClr val="lt1"/>
+          </a:fontRef>
+        </p:style>
+        <p:txBody>
+          <a:bodyPr rtlCol="0" anchor="ctr"/>
+          <a:lstStyle/>
+          <a:p>
+            <a:pPr algn="ctr"/>
+            <a:endParaRPr lang="ko-KR" altLang="en-US"/>
+          </a:p>
+        </p:txBody>
+      </p:sp>
+    </p:spTree>
+    <p:extLst>
+      <p:ext uri="{BB962C8B-B14F-4D97-AF65-F5344CB8AC3E}">
+        <p14:creationId xmlns:p14="http://schemas.microsoft.com/office/powerpoint/2010/main" val="1359345188"/>
+      </p:ext>
+    </p:extLst>
+  </p:cSld>
+  <p:clrMapOvr>
+    <a:masterClrMapping/>
+  </p:clrMapOvr>
+  <p:timing>
+    <p:tnLst>
+      <p:par>
+        <p:cTn id="1" dur="indefinite" restart="never" nodeType="tmRoot"/>
+      </p:par>
+    </p:tnLst>
+  </p:timing>
+</p:sld>
+</file>
+
+<file path=ppt/slides/slide19.xml><?xml version="1.0" encoding="utf-8"?>
+<p:sld xmlns:a="http://schemas.openxmlformats.org/drawingml/2006/main" xmlns:r="http://schemas.openxmlformats.org/officeDocument/2006/relationships" xmlns:p="http://schemas.openxmlformats.org/presentationml/2006/main">
+  <p:cSld>
+    <p:spTree>
+      <p:nvGrpSpPr>
+        <p:cNvPr id="1" name=""/>
+        <p:cNvGrpSpPr/>
+        <p:nvPr/>
+      </p:nvGrpSpPr>
+      <p:grpSpPr>
+        <a:xfrm>
+          <a:off x="0" y="0"/>
+          <a:ext cx="0" cy="0"/>
+          <a:chOff x="0" y="0"/>
+          <a:chExt cx="0" cy="0"/>
+        </a:xfrm>
+      </p:grpSpPr>
+      <p:sp>
+        <p:nvSpPr>
+          <p:cNvPr id="2" name="제목 1"/>
+          <p:cNvSpPr>
+            <a:spLocks noGrp="1"/>
+          </p:cNvSpPr>
+          <p:nvPr>
+            <p:ph type="title"/>
+          </p:nvPr>
+        </p:nvSpPr>
+        <p:spPr/>
+        <p:txBody>
+          <a:bodyPr/>
+          <a:lstStyle/>
+          <a:p>
+            <a:r>
+              <a:rPr lang="en-US" altLang="ko-KR" dirty="0"/>
+              <a:t> </a:t>
+            </a:r>
+            <a:r>
+              <a:rPr lang="ko-KR" altLang="en-US" dirty="0" smtClean="0"/>
+              <a:t>이분</a:t>
+            </a:r>
+            <a:r>
+              <a:rPr lang="ko-KR" altLang="en-US" dirty="0" smtClean="0"/>
+              <a:t> </a:t>
+            </a:r>
+            <a:r>
+              <a:rPr lang="ko-KR" altLang="en-US" dirty="0" smtClean="0"/>
+              <a:t>탐색</a:t>
+            </a:r>
+            <a:endParaRPr lang="ko-KR" altLang="en-US" dirty="0"/>
+          </a:p>
+        </p:txBody>
+      </p:sp>
+      <p:sp>
+        <p:nvSpPr>
+          <p:cNvPr id="4" name="슬라이드 번호 개체 틀 3"/>
+          <p:cNvSpPr>
+            <a:spLocks noGrp="1"/>
+          </p:cNvSpPr>
+          <p:nvPr>
+            <p:ph type="sldNum" sz="quarter" idx="12"/>
+          </p:nvPr>
+        </p:nvSpPr>
+        <p:spPr/>
+        <p:txBody>
+          <a:bodyPr/>
+          <a:lstStyle/>
+          <a:p>
+            <a:fld id="{1BDE3FE7-3AEA-4B05-AC5A-802D1816ACF0}" type="slidenum">
+              <a:rPr lang="ko-KR" altLang="en-US" smtClean="0"/>
+              <a:t>19</a:t>
+            </a:fld>
+            <a:endParaRPr lang="ko-KR" altLang="en-US"/>
+          </a:p>
+        </p:txBody>
+      </p:sp>
+      <p:pic>
+        <p:nvPicPr>
+          <p:cNvPr id="6" name="그림 5"/>
+          <p:cNvPicPr>
+            <a:picLocks noChangeAspect="1"/>
+          </p:cNvPicPr>
+          <p:nvPr/>
+        </p:nvPicPr>
+        <p:blipFill>
+          <a:blip r:embed="rId2">
+            <a:extLst>
+              <a:ext uri="{28A0092B-C50C-407E-A947-70E740481C1C}">
+                <a14:useLocalDpi xmlns:a14="http://schemas.microsoft.com/office/drawing/2010/main" val="0"/>
+              </a:ext>
+            </a:extLst>
+          </a:blip>
+          <a:stretch>
+            <a:fillRect/>
+          </a:stretch>
+        </p:blipFill>
+        <p:spPr>
+          <a:xfrm>
+            <a:off x="1424608" y="1412776"/>
+            <a:ext cx="6552728" cy="3864430"/>
+          </a:xfrm>
+          <a:prstGeom prst="rect">
+            <a:avLst/>
+          </a:prstGeom>
+          <a:ln>
+            <a:solidFill>
+              <a:schemeClr val="bg1">
+                <a:lumMod val="85000"/>
+              </a:schemeClr>
+            </a:solidFill>
+          </a:ln>
+        </p:spPr>
+      </p:pic>
+    </p:spTree>
+    <p:extLst>
+      <p:ext uri="{BB962C8B-B14F-4D97-AF65-F5344CB8AC3E}">
+        <p14:creationId xmlns:p14="http://schemas.microsoft.com/office/powerpoint/2010/main" val="3209412345"/>
+      </p:ext>
+    </p:extLst>
+  </p:cSld>
+  <p:clrMapOvr>
+    <a:masterClrMapping/>
+  </p:clrMapOvr>
+  <p:timing>
+    <p:tnLst>
+      <p:par>
+        <p:cTn id="1" dur="indefinite" restart="never" nodeType="tmRoot"/>
+      </p:par>
+    </p:tnLst>
+  </p:timing>
+</p:sld>
+</file>
+
 <file path=ppt/slides/slide2.xml><?xml version="1.0" encoding="utf-8"?>
 <p:sld xmlns:a="http://schemas.openxmlformats.org/drawingml/2006/main" xmlns:r="http://schemas.openxmlformats.org/officeDocument/2006/relationships" xmlns:p="http://schemas.openxmlformats.org/presentationml/2006/main">
   <p:cSld>
@@ -8342,6 +9859,138 @@
     <p:extLst>
       <p:ext uri="{BB962C8B-B14F-4D97-AF65-F5344CB8AC3E}">
         <p14:creationId xmlns:p14="http://schemas.microsoft.com/office/powerpoint/2010/main" val="4139853823"/>
+      </p:ext>
+    </p:extLst>
+  </p:cSld>
+  <p:clrMapOvr>
+    <a:masterClrMapping/>
+  </p:clrMapOvr>
+  <p:timing>
+    <p:tnLst>
+      <p:par>
+        <p:cTn id="1" dur="indefinite" restart="never" nodeType="tmRoot"/>
+      </p:par>
+    </p:tnLst>
+  </p:timing>
+</p:sld>
+</file>
+
+<file path=ppt/slides/slide20.xml><?xml version="1.0" encoding="utf-8"?>
+<p:sld xmlns:a="http://schemas.openxmlformats.org/drawingml/2006/main" xmlns:r="http://schemas.openxmlformats.org/officeDocument/2006/relationships" xmlns:p="http://schemas.openxmlformats.org/presentationml/2006/main">
+  <p:cSld>
+    <p:spTree>
+      <p:nvGrpSpPr>
+        <p:cNvPr id="1" name=""/>
+        <p:cNvGrpSpPr/>
+        <p:nvPr/>
+      </p:nvGrpSpPr>
+      <p:grpSpPr>
+        <a:xfrm>
+          <a:off x="0" y="0"/>
+          <a:ext cx="0" cy="0"/>
+          <a:chOff x="0" y="0"/>
+          <a:chExt cx="0" cy="0"/>
+        </a:xfrm>
+      </p:grpSpPr>
+      <p:sp>
+        <p:nvSpPr>
+          <p:cNvPr id="2" name="제목 1"/>
+          <p:cNvSpPr>
+            <a:spLocks noGrp="1"/>
+          </p:cNvSpPr>
+          <p:nvPr>
+            <p:ph type="title"/>
+          </p:nvPr>
+        </p:nvSpPr>
+        <p:spPr/>
+        <p:txBody>
+          <a:bodyPr/>
+          <a:lstStyle/>
+          <a:p>
+            <a:r>
+              <a:rPr lang="en-US" altLang="ko-KR" dirty="0"/>
+              <a:t> </a:t>
+            </a:r>
+            <a:r>
+              <a:rPr lang="ko-KR" altLang="en-US" dirty="0" smtClean="0"/>
+              <a:t>이분</a:t>
+            </a:r>
+            <a:r>
+              <a:rPr lang="ko-KR" altLang="en-US" dirty="0" smtClean="0"/>
+              <a:t> </a:t>
+            </a:r>
+            <a:r>
+              <a:rPr lang="ko-KR" altLang="en-US" dirty="0" smtClean="0"/>
+              <a:t>탐색</a:t>
+            </a:r>
+            <a:endParaRPr lang="ko-KR" altLang="en-US" dirty="0"/>
+          </a:p>
+        </p:txBody>
+      </p:sp>
+      <p:sp>
+        <p:nvSpPr>
+          <p:cNvPr id="4" name="슬라이드 번호 개체 틀 3"/>
+          <p:cNvSpPr>
+            <a:spLocks noGrp="1"/>
+          </p:cNvSpPr>
+          <p:nvPr>
+            <p:ph type="sldNum" sz="quarter" idx="12"/>
+          </p:nvPr>
+        </p:nvSpPr>
+        <p:spPr/>
+        <p:txBody>
+          <a:bodyPr/>
+          <a:lstStyle/>
+          <a:p>
+            <a:fld id="{1BDE3FE7-3AEA-4B05-AC5A-802D1816ACF0}" type="slidenum">
+              <a:rPr lang="ko-KR" altLang="en-US" smtClean="0"/>
+              <a:t>20</a:t>
+            </a:fld>
+            <a:endParaRPr lang="ko-KR" altLang="en-US"/>
+          </a:p>
+        </p:txBody>
+      </p:sp>
+      <p:pic>
+        <p:nvPicPr>
+          <p:cNvPr id="5" name="그림 4"/>
+          <p:cNvPicPr>
+            <a:picLocks noChangeAspect="1"/>
+          </p:cNvPicPr>
+          <p:nvPr/>
+        </p:nvPicPr>
+        <p:blipFill>
+          <a:blip r:embed="rId2">
+            <a:extLst>
+              <a:ext uri="{28A0092B-C50C-407E-A947-70E740481C1C}">
+                <a14:useLocalDpi xmlns:a14="http://schemas.microsoft.com/office/drawing/2010/main" val="0"/>
+              </a:ext>
+            </a:extLst>
+          </a:blip>
+          <a:stretch>
+            <a:fillRect/>
+          </a:stretch>
+        </p:blipFill>
+        <p:spPr>
+          <a:xfrm>
+            <a:off x="1496616" y="1628800"/>
+            <a:ext cx="5159884" cy="3528392"/>
+          </a:xfrm>
+          <a:prstGeom prst="rect">
+            <a:avLst/>
+          </a:prstGeom>
+          <a:ln>
+            <a:solidFill>
+              <a:schemeClr val="bg1">
+                <a:lumMod val="85000"/>
+              </a:schemeClr>
+            </a:solidFill>
+          </a:ln>
+        </p:spPr>
+      </p:pic>
+    </p:spTree>
+    <p:extLst>
+      <p:ext uri="{BB962C8B-B14F-4D97-AF65-F5344CB8AC3E}">
+        <p14:creationId xmlns:p14="http://schemas.microsoft.com/office/powerpoint/2010/main" val="3445945566"/>
       </p:ext>
     </p:extLst>
   </p:cSld>
